--- a/presentacion_angular.pptx
+++ b/presentacion_angular.pptx
@@ -35,6 +35,9 @@
     <p:sldId id="285" r:id="rId29"/>
     <p:sldId id="286" r:id="rId30"/>
     <p:sldId id="287" r:id="rId31"/>
+    <p:sldId id="289" r:id="rId32"/>
+    <p:sldId id="290" r:id="rId33"/>
+    <p:sldId id="291" r:id="rId34"/>
   </p:sldIdLst>
   <p:sldSz cx="9144000" cy="5143500" type="screen16x9"/>
   <p:notesSz cx="6858000" cy="9144000"/>
@@ -274,7 +277,7 @@
             <a:fld id="{7A847CFC-816F-41D0-AAC0-9BF4FEBC753E}" type="datetimeFigureOut">
               <a:rPr lang="es-ES" smtClean="0"/>
               <a:pPr/>
-              <a:t>13/02/2025</a:t>
+              <a:t>24/06/2025</a:t>
             </a:fld>
             <a:endParaRPr lang="es-ES"/>
           </a:p>
@@ -1145,7 +1148,7 @@
             <a:fld id="{7A847CFC-816F-41D0-AAC0-9BF4FEBC753E}" type="datetimeFigureOut">
               <a:rPr lang="es-ES" smtClean="0"/>
               <a:pPr/>
-              <a:t>13/02/2025</a:t>
+              <a:t>24/06/2025</a:t>
             </a:fld>
             <a:endParaRPr lang="es-ES"/>
           </a:p>
@@ -1322,7 +1325,7 @@
             <a:fld id="{7A847CFC-816F-41D0-AAC0-9BF4FEBC753E}" type="datetimeFigureOut">
               <a:rPr lang="es-ES" smtClean="0"/>
               <a:pPr/>
-              <a:t>13/02/2025</a:t>
+              <a:t>24/06/2025</a:t>
             </a:fld>
             <a:endParaRPr lang="es-ES"/>
           </a:p>
@@ -1494,7 +1497,7 @@
             <a:fld id="{7A847CFC-816F-41D0-AAC0-9BF4FEBC753E}" type="datetimeFigureOut">
               <a:rPr lang="es-ES" smtClean="0"/>
               <a:pPr/>
-              <a:t>13/02/2025</a:t>
+              <a:t>24/06/2025</a:t>
             </a:fld>
             <a:endParaRPr lang="es-ES"/>
           </a:p>
@@ -1706,7 +1709,7 @@
             <a:fld id="{7A847CFC-816F-41D0-AAC0-9BF4FEBC753E}" type="datetimeFigureOut">
               <a:rPr lang="es-ES" smtClean="0"/>
               <a:pPr/>
-              <a:t>13/02/2025</a:t>
+              <a:t>24/06/2025</a:t>
             </a:fld>
             <a:endParaRPr lang="es-ES"/>
           </a:p>
@@ -2522,7 +2525,7 @@
             <a:fld id="{7A847CFC-816F-41D0-AAC0-9BF4FEBC753E}" type="datetimeFigureOut">
               <a:rPr lang="es-ES" smtClean="0"/>
               <a:pPr/>
-              <a:t>13/02/2025</a:t>
+              <a:t>24/06/2025</a:t>
             </a:fld>
             <a:endParaRPr lang="es-ES"/>
           </a:p>
@@ -2760,7 +2763,7 @@
             <a:fld id="{7A847CFC-816F-41D0-AAC0-9BF4FEBC753E}" type="datetimeFigureOut">
               <a:rPr lang="es-ES" smtClean="0"/>
               <a:pPr/>
-              <a:t>13/02/2025</a:t>
+              <a:t>24/06/2025</a:t>
             </a:fld>
             <a:endParaRPr lang="es-ES"/>
           </a:p>
@@ -3085,7 +3088,7 @@
             <a:fld id="{7A847CFC-816F-41D0-AAC0-9BF4FEBC753E}" type="datetimeFigureOut">
               <a:rPr lang="es-ES" smtClean="0"/>
               <a:pPr/>
-              <a:t>13/02/2025</a:t>
+              <a:t>24/06/2025</a:t>
             </a:fld>
             <a:endParaRPr lang="es-ES"/>
           </a:p>
@@ -3177,7 +3180,7 @@
             <a:fld id="{7A847CFC-816F-41D0-AAC0-9BF4FEBC753E}" type="datetimeFigureOut">
               <a:rPr lang="es-ES" smtClean="0"/>
               <a:pPr/>
-              <a:t>13/02/2025</a:t>
+              <a:t>24/06/2025</a:t>
             </a:fld>
             <a:endParaRPr lang="es-ES"/>
           </a:p>
@@ -3696,7 +3699,7 @@
             <a:fld id="{7A847CFC-816F-41D0-AAC0-9BF4FEBC753E}" type="datetimeFigureOut">
               <a:rPr lang="es-ES" smtClean="0"/>
               <a:pPr/>
-              <a:t>13/02/2025</a:t>
+              <a:t>24/06/2025</a:t>
             </a:fld>
             <a:endParaRPr lang="es-ES"/>
           </a:p>
@@ -4209,7 +4212,7 @@
             <a:fld id="{7A847CFC-816F-41D0-AAC0-9BF4FEBC753E}" type="datetimeFigureOut">
               <a:rPr lang="es-ES" smtClean="0"/>
               <a:pPr/>
-              <a:t>13/02/2025</a:t>
+              <a:t>24/06/2025</a:t>
             </a:fld>
             <a:endParaRPr lang="es-ES"/>
           </a:p>
@@ -4498,7 +4501,7 @@
             <a:fld id="{7A847CFC-816F-41D0-AAC0-9BF4FEBC753E}" type="datetimeFigureOut">
               <a:rPr lang="es-ES" smtClean="0"/>
               <a:pPr/>
-              <a:t>13/02/2025</a:t>
+              <a:t>24/06/2025</a:t>
             </a:fld>
             <a:endParaRPr lang="es-ES"/>
           </a:p>
@@ -17446,47 +17449,7 @@
                 <a:ea typeface="+mj-ea"/>
                 <a:cs typeface="+mj-cs"/>
               </a:rPr>
-              <a:t>Si queremos tener acceso a las cabeceras de respuesta, se debe incluir el parámetro </a:t>
-            </a:r>
-            <a:r>
-              <a:rPr lang="es-ES" sz="2000" b="1" dirty="0" smtClean="0">
-                <a:solidFill>
-                  <a:schemeClr val="accent1">
-                    <a:lumMod val="75000"/>
-                  </a:schemeClr>
-                </a:solidFill>
-                <a:effectLst>
-                  <a:outerShdw blurRad="31750" dist="25400" dir="5400000" algn="tl" rotWithShape="0">
-                    <a:srgbClr val="000000">
-                      <a:alpha val="25000"/>
-                    </a:srgbClr>
-                  </a:outerShdw>
-                </a:effectLst>
-                <a:latin typeface="+mj-lt"/>
-                <a:ea typeface="+mj-ea"/>
-                <a:cs typeface="+mj-cs"/>
-              </a:rPr>
-              <a:t>observe:"response" en la lista de parámetros opcionales de la petición</a:t>
-            </a:r>
-            <a:r>
-              <a:rPr lang="es-ES" sz="2000" b="1" dirty="0" smtClean="0">
-                <a:solidFill>
-                  <a:schemeClr val="accent1">
-                    <a:lumMod val="75000"/>
-                  </a:schemeClr>
-                </a:solidFill>
-                <a:effectLst>
-                  <a:outerShdw blurRad="31750" dist="25400" dir="5400000" algn="tl" rotWithShape="0">
-                    <a:srgbClr val="000000">
-                      <a:alpha val="25000"/>
-                    </a:srgbClr>
-                  </a:outerShdw>
-                </a:effectLst>
-                <a:latin typeface="+mj-lt"/>
-                <a:ea typeface="+mj-ea"/>
-                <a:cs typeface="+mj-cs"/>
-              </a:rPr>
-              <a:t>:</a:t>
+              <a:t>Si queremos tener acceso a las cabeceras de respuesta, se debe incluir el parámetro observe:"response" en la lista de parámetros opcionales de la petición:</a:t>
             </a:r>
           </a:p>
           <a:p>
@@ -17599,23 +17562,6 @@
               </a:rPr>
               <a:t>En el componente:</a:t>
             </a:r>
-            <a:endParaRPr lang="es-ES" sz="2000" b="1" dirty="0" smtClean="0">
-              <a:solidFill>
-                <a:schemeClr val="accent1">
-                  <a:lumMod val="75000"/>
-                </a:schemeClr>
-              </a:solidFill>
-              <a:effectLst>
-                <a:outerShdw blurRad="31750" dist="25400" dir="5400000" algn="tl" rotWithShape="0">
-                  <a:srgbClr val="000000">
-                    <a:alpha val="25000"/>
-                  </a:srgbClr>
-                </a:outerShdw>
-              </a:effectLst>
-              <a:latin typeface="+mj-lt"/>
-              <a:ea typeface="+mj-ea"/>
-              <a:cs typeface="+mj-cs"/>
-            </a:endParaRPr>
           </a:p>
           <a:p>
             <a:pPr>
@@ -18054,55 +18000,40 @@
               <a:rPr lang="en-US" sz="1400" dirty="0" smtClean="0">
                 <a:latin typeface="Consolas" pitchFamily="49" charset="0"/>
               </a:rPr>
-              <a:t>	</a:t>
+              <a:t>	{</a:t>
+            </a:r>
+            <a:r>
+              <a:rPr lang="en-US" sz="1400" dirty="0" err="1" smtClean="0">
+                <a:latin typeface="Consolas" pitchFamily="49" charset="0"/>
+              </a:rPr>
+              <a:t>params</a:t>
             </a:r>
             <a:r>
               <a:rPr lang="en-US" sz="1400" dirty="0" smtClean="0">
                 <a:latin typeface="Consolas" pitchFamily="49" charset="0"/>
               </a:rPr>
-              <a:t>{</a:t>
+              <a:t>:{</a:t>
             </a:r>
             <a:r>
               <a:rPr lang="en-US" sz="1400" dirty="0" err="1" smtClean="0">
                 <a:latin typeface="Consolas" pitchFamily="49" charset="0"/>
               </a:rPr>
-              <a:t>params</a:t>
+              <a:t>tematica:tematica</a:t>
             </a:r>
             <a:r>
               <a:rPr lang="en-US" sz="1400" dirty="0" smtClean="0">
                 <a:latin typeface="Consolas" pitchFamily="49" charset="0"/>
               </a:rPr>
-              <a:t>:{</a:t>
-            </a:r>
-            <a:r>
-              <a:rPr lang="en-US" sz="1400" dirty="0" err="1" smtClean="0">
-                <a:latin typeface="Consolas" pitchFamily="49" charset="0"/>
-              </a:rPr>
-              <a:t>tematica:tematica</a:t>
-            </a:r>
+              <a:t>},observe:"response"});</a:t>
+            </a:r>
+          </a:p>
+          <a:p>
             <a:r>
               <a:rPr lang="en-US" sz="1400" dirty="0" smtClean="0">
                 <a:latin typeface="Consolas" pitchFamily="49" charset="0"/>
               </a:rPr>
-              <a:t>},observe:"response"});</a:t>
-            </a:r>
-          </a:p>
-          <a:p>
-            <a:r>
-              <a:rPr lang="en-US" sz="1400" dirty="0" smtClean="0">
-                <a:latin typeface="Consolas" pitchFamily="49" charset="0"/>
-              </a:rPr>
-              <a:t>  </a:t>
-            </a:r>
-            <a:r>
-              <a:rPr lang="en-US" sz="1400" dirty="0" smtClean="0">
-                <a:latin typeface="Consolas" pitchFamily="49" charset="0"/>
-              </a:rPr>
-              <a:t>}</a:t>
-            </a:r>
-            <a:endParaRPr lang="en-US" sz="1400" dirty="0" smtClean="0">
-              <a:latin typeface="Consolas" pitchFamily="49" charset="0"/>
-            </a:endParaRPr>
+              <a:t>  }</a:t>
+            </a:r>
           </a:p>
         </p:txBody>
       </p:sp>
@@ -18188,65 +18119,35 @@
               <a:rPr lang="es-ES" sz="1400" dirty="0" smtClean="0">
                 <a:latin typeface="Consolas" pitchFamily="49" charset="0"/>
               </a:rPr>
-              <a:t>	</a:t>
-            </a:r>
+              <a:t>	.subscribe(data=&gt;{</a:t>
+            </a:r>
+          </a:p>
+          <a:p>
             <a:r>
               <a:rPr lang="es-ES" sz="1400" dirty="0" smtClean="0">
                 <a:latin typeface="Consolas" pitchFamily="49" charset="0"/>
               </a:rPr>
-              <a:t>.</a:t>
+              <a:t>		console.log(</a:t>
+            </a:r>
+            <a:r>
+              <a:rPr lang="es-ES" sz="1400" dirty="0" err="1" smtClean="0">
+                <a:latin typeface="Consolas" pitchFamily="49" charset="0"/>
+              </a:rPr>
+              <a:t>data.headers</a:t>
             </a:r>
             <a:r>
               <a:rPr lang="es-ES" sz="1400" dirty="0" smtClean="0">
                 <a:latin typeface="Consolas" pitchFamily="49" charset="0"/>
               </a:rPr>
-              <a:t>subscribe(data</a:t>
-            </a:r>
+              <a:t>));  //cabeceras</a:t>
+            </a:r>
+          </a:p>
+          <a:p>
             <a:r>
               <a:rPr lang="es-ES" sz="1400" dirty="0" smtClean="0">
                 <a:latin typeface="Consolas" pitchFamily="49" charset="0"/>
               </a:rPr>
-              <a:t>=&gt;{</a:t>
-            </a:r>
-          </a:p>
-          <a:p>
-            <a:r>
-              <a:rPr lang="es-ES" sz="1400" dirty="0" smtClean="0">
-                <a:latin typeface="Consolas" pitchFamily="49" charset="0"/>
-              </a:rPr>
-              <a:t>	</a:t>
-            </a:r>
-            <a:r>
-              <a:rPr lang="es-ES" sz="1400" dirty="0" smtClean="0">
-                <a:latin typeface="Consolas" pitchFamily="49" charset="0"/>
-              </a:rPr>
-              <a:t>	console.log(</a:t>
-            </a:r>
-            <a:r>
-              <a:rPr lang="es-ES" sz="1400" dirty="0" err="1" smtClean="0">
-                <a:latin typeface="Consolas" pitchFamily="49" charset="0"/>
-              </a:rPr>
-              <a:t>data.headers</a:t>
-            </a:r>
-            <a:r>
-              <a:rPr lang="es-ES" sz="1400" dirty="0" smtClean="0">
-                <a:latin typeface="Consolas" pitchFamily="49" charset="0"/>
-              </a:rPr>
-              <a:t>));  //cabeceras</a:t>
-            </a:r>
-          </a:p>
-          <a:p>
-            <a:r>
-              <a:rPr lang="es-ES" sz="1400" dirty="0" smtClean="0">
-                <a:latin typeface="Consolas" pitchFamily="49" charset="0"/>
-              </a:rPr>
-              <a:t>	</a:t>
-            </a:r>
-            <a:r>
-              <a:rPr lang="es-ES" sz="1400" dirty="0" smtClean="0">
-                <a:latin typeface="Consolas" pitchFamily="49" charset="0"/>
-              </a:rPr>
-              <a:t>	console.log(</a:t>
+              <a:t>		console.log(</a:t>
             </a:r>
             <a:r>
               <a:rPr lang="es-ES" sz="1400" dirty="0" err="1" smtClean="0">
@@ -18275,17 +18176,8 @@
               <a:rPr lang="es-ES" sz="1400" dirty="0" smtClean="0">
                 <a:latin typeface="Consolas" pitchFamily="49" charset="0"/>
               </a:rPr>
-              <a:t>	</a:t>
-            </a:r>
-            <a:r>
-              <a:rPr lang="es-ES" sz="1400" dirty="0" smtClean="0">
-                <a:latin typeface="Consolas" pitchFamily="49" charset="0"/>
-              </a:rPr>
-              <a:t>	}</a:t>
-            </a:r>
-            <a:endParaRPr lang="es-ES" sz="1400" dirty="0" smtClean="0">
-              <a:latin typeface="Consolas" pitchFamily="49" charset="0"/>
-            </a:endParaRPr>
+              <a:t>		}</a:t>
+            </a:r>
           </a:p>
           <a:p>
             <a:r>
@@ -22626,6 +22518,3174 @@
               <a:t>Hijo emite eventos hacia el padre</a:t>
             </a:r>
             <a:endParaRPr lang="es-ES" dirty="0"/>
+          </a:p>
+        </p:txBody>
+      </p:sp>
+    </p:spTree>
+  </p:cSld>
+  <p:clrMapOvr>
+    <a:masterClrMapping/>
+  </p:clrMapOvr>
+  <p:timing>
+    <p:tnLst>
+      <p:par>
+        <p:cTn id="1" dur="indefinite" restart="never" nodeType="tmRoot"/>
+      </p:par>
+    </p:tnLst>
+  </p:timing>
+</p:sld>
+</file>
+
+<file path=ppt/slides/slide31.xml><?xml version="1.0" encoding="utf-8"?>
+<p:sld xmlns:a="http://schemas.openxmlformats.org/drawingml/2006/main" xmlns:r="http://schemas.openxmlformats.org/officeDocument/2006/relationships" xmlns:p="http://schemas.openxmlformats.org/presentationml/2006/main">
+  <p:cSld>
+    <p:spTree>
+      <p:nvGrpSpPr>
+        <p:cNvPr id="1" name=""/>
+        <p:cNvGrpSpPr/>
+        <p:nvPr/>
+      </p:nvGrpSpPr>
+      <p:grpSpPr>
+        <a:xfrm>
+          <a:off x="0" y="0"/>
+          <a:ext cx="0" cy="0"/>
+          <a:chOff x="0" y="0"/>
+          <a:chExt cx="0" cy="0"/>
+        </a:xfrm>
+      </p:grpSpPr>
+      <p:sp>
+        <p:nvSpPr>
+          <p:cNvPr id="2" name="1 Título"/>
+          <p:cNvSpPr>
+            <a:spLocks noGrp="1"/>
+          </p:cNvSpPr>
+          <p:nvPr>
+            <p:ph type="title"/>
+          </p:nvPr>
+        </p:nvSpPr>
+        <p:spPr>
+          <a:xfrm>
+            <a:off x="467544" y="123478"/>
+            <a:ext cx="8136904" cy="857250"/>
+          </a:xfrm>
+        </p:spPr>
+        <p:txBody>
+          <a:bodyPr>
+            <a:normAutofit/>
+          </a:bodyPr>
+          <a:lstStyle/>
+          <a:p>
+            <a:r>
+              <a:rPr lang="es-ES" dirty="0" smtClean="0"/>
+              <a:t>Distribuir una aplicación angular</a:t>
+            </a:r>
+            <a:endParaRPr lang="es-ES" dirty="0"/>
+          </a:p>
+        </p:txBody>
+      </p:sp>
+      <p:sp>
+        <p:nvSpPr>
+          <p:cNvPr id="3" name="1 Título"/>
+          <p:cNvSpPr txBox="1">
+            <a:spLocks/>
+          </p:cNvSpPr>
+          <p:nvPr/>
+        </p:nvSpPr>
+        <p:spPr>
+          <a:xfrm>
+            <a:off x="467544" y="699542"/>
+            <a:ext cx="7992888" cy="864096"/>
+          </a:xfrm>
+          <a:prstGeom prst="rect">
+            <a:avLst/>
+          </a:prstGeom>
+        </p:spPr>
+        <p:txBody>
+          <a:bodyPr/>
+          <a:lstStyle/>
+          <a:p>
+            <a:pPr>
+              <a:spcBef>
+                <a:spcPts val="600"/>
+              </a:spcBef>
+              <a:buFont typeface="Wingdings" pitchFamily="2" charset="2"/>
+              <a:buChar char="Ø"/>
+              <a:defRPr/>
+            </a:pPr>
+            <a:r>
+              <a:rPr lang="es-ES" sz="2000" b="1" dirty="0" smtClean="0">
+                <a:solidFill>
+                  <a:schemeClr val="accent1">
+                    <a:lumMod val="75000"/>
+                  </a:schemeClr>
+                </a:solidFill>
+                <a:effectLst>
+                  <a:outerShdw blurRad="31750" dist="25400" dir="5400000" algn="tl" rotWithShape="0">
+                    <a:srgbClr val="000000">
+                      <a:alpha val="25000"/>
+                    </a:srgbClr>
+                  </a:outerShdw>
+                </a:effectLst>
+                <a:latin typeface="+mj-lt"/>
+                <a:ea typeface="+mj-ea"/>
+                <a:cs typeface="+mj-cs"/>
+              </a:rPr>
+              <a:t>Se debe traducir todo el código </a:t>
+            </a:r>
+            <a:r>
+              <a:rPr lang="es-ES" sz="2000" b="1" dirty="0" err="1" smtClean="0">
+                <a:solidFill>
+                  <a:schemeClr val="accent1">
+                    <a:lumMod val="75000"/>
+                  </a:schemeClr>
+                </a:solidFill>
+                <a:effectLst>
+                  <a:outerShdw blurRad="31750" dist="25400" dir="5400000" algn="tl" rotWithShape="0">
+                    <a:srgbClr val="000000">
+                      <a:alpha val="25000"/>
+                    </a:srgbClr>
+                  </a:outerShdw>
+                </a:effectLst>
+                <a:latin typeface="+mj-lt"/>
+                <a:ea typeface="+mj-ea"/>
+                <a:cs typeface="+mj-cs"/>
+              </a:rPr>
+              <a:t>TypeScript+librerías</a:t>
+            </a:r>
+            <a:r>
+              <a:rPr lang="es-ES" sz="2000" b="1" dirty="0" smtClean="0">
+                <a:solidFill>
+                  <a:schemeClr val="accent1">
+                    <a:lumMod val="75000"/>
+                  </a:schemeClr>
+                </a:solidFill>
+                <a:effectLst>
+                  <a:outerShdw blurRad="31750" dist="25400" dir="5400000" algn="tl" rotWithShape="0">
+                    <a:srgbClr val="000000">
+                      <a:alpha val="25000"/>
+                    </a:srgbClr>
+                  </a:outerShdw>
+                </a:effectLst>
+                <a:latin typeface="+mj-lt"/>
+                <a:ea typeface="+mj-ea"/>
+                <a:cs typeface="+mj-cs"/>
+              </a:rPr>
+              <a:t> angular a </a:t>
+            </a:r>
+            <a:r>
+              <a:rPr lang="es-ES" sz="2000" b="1" dirty="0" err="1" smtClean="0">
+                <a:solidFill>
+                  <a:schemeClr val="accent1">
+                    <a:lumMod val="75000"/>
+                  </a:schemeClr>
+                </a:solidFill>
+                <a:effectLst>
+                  <a:outerShdw blurRad="31750" dist="25400" dir="5400000" algn="tl" rotWithShape="0">
+                    <a:srgbClr val="000000">
+                      <a:alpha val="25000"/>
+                    </a:srgbClr>
+                  </a:outerShdw>
+                </a:effectLst>
+                <a:latin typeface="+mj-lt"/>
+                <a:ea typeface="+mj-ea"/>
+                <a:cs typeface="+mj-cs"/>
+              </a:rPr>
+              <a:t>JavaScript</a:t>
+            </a:r>
+            <a:r>
+              <a:rPr lang="es-ES" sz="2000" b="1" dirty="0" smtClean="0">
+                <a:solidFill>
+                  <a:schemeClr val="accent1">
+                    <a:lumMod val="75000"/>
+                  </a:schemeClr>
+                </a:solidFill>
+                <a:effectLst>
+                  <a:outerShdw blurRad="31750" dist="25400" dir="5400000" algn="tl" rotWithShape="0">
+                    <a:srgbClr val="000000">
+                      <a:alpha val="25000"/>
+                    </a:srgbClr>
+                  </a:outerShdw>
+                </a:effectLst>
+                <a:latin typeface="+mj-lt"/>
+                <a:ea typeface="+mj-ea"/>
+                <a:cs typeface="+mj-cs"/>
+              </a:rPr>
+              <a:t>, que es lo que entienden los navegadores.</a:t>
+            </a:r>
+          </a:p>
+          <a:p>
+            <a:pPr>
+              <a:spcBef>
+                <a:spcPts val="600"/>
+              </a:spcBef>
+              <a:buFont typeface="Wingdings" pitchFamily="2" charset="2"/>
+              <a:buChar char="Ø"/>
+              <a:defRPr/>
+            </a:pPr>
+            <a:r>
+              <a:rPr lang="es-ES" sz="2000" b="1" dirty="0" smtClean="0">
+                <a:solidFill>
+                  <a:schemeClr val="accent1">
+                    <a:lumMod val="75000"/>
+                  </a:schemeClr>
+                </a:solidFill>
+                <a:effectLst>
+                  <a:outerShdw blurRad="31750" dist="25400" dir="5400000" algn="tl" rotWithShape="0">
+                    <a:srgbClr val="000000">
+                      <a:alpha val="25000"/>
+                    </a:srgbClr>
+                  </a:outerShdw>
+                </a:effectLst>
+                <a:latin typeface="+mj-lt"/>
+                <a:ea typeface="+mj-ea"/>
+                <a:cs typeface="+mj-cs"/>
+              </a:rPr>
+              <a:t>Para ello se utiliza el comando:</a:t>
+            </a:r>
+          </a:p>
+          <a:p>
+            <a:pPr>
+              <a:spcBef>
+                <a:spcPts val="600"/>
+              </a:spcBef>
+              <a:buFont typeface="Wingdings" pitchFamily="2" charset="2"/>
+              <a:buChar char="Ø"/>
+              <a:defRPr/>
+            </a:pPr>
+            <a:endParaRPr lang="es-ES" sz="2000" b="1" dirty="0" smtClean="0">
+              <a:solidFill>
+                <a:schemeClr val="accent1">
+                  <a:lumMod val="75000"/>
+                </a:schemeClr>
+              </a:solidFill>
+              <a:effectLst>
+                <a:outerShdw blurRad="31750" dist="25400" dir="5400000" algn="tl" rotWithShape="0">
+                  <a:srgbClr val="000000">
+                    <a:alpha val="25000"/>
+                  </a:srgbClr>
+                </a:outerShdw>
+              </a:effectLst>
+              <a:latin typeface="+mj-lt"/>
+              <a:ea typeface="+mj-ea"/>
+              <a:cs typeface="+mj-cs"/>
+            </a:endParaRPr>
+          </a:p>
+          <a:p>
+            <a:pPr>
+              <a:spcBef>
+                <a:spcPts val="600"/>
+              </a:spcBef>
+              <a:buFont typeface="Wingdings" pitchFamily="2" charset="2"/>
+              <a:buChar char="Ø"/>
+              <a:defRPr/>
+            </a:pPr>
+            <a:r>
+              <a:rPr lang="es-ES" sz="2000" b="1" dirty="0" smtClean="0">
+                <a:solidFill>
+                  <a:schemeClr val="accent1">
+                    <a:lumMod val="75000"/>
+                  </a:schemeClr>
+                </a:solidFill>
+                <a:effectLst>
+                  <a:outerShdw blurRad="31750" dist="25400" dir="5400000" algn="tl" rotWithShape="0">
+                    <a:srgbClr val="000000">
+                      <a:alpha val="25000"/>
+                    </a:srgbClr>
+                  </a:outerShdw>
+                </a:effectLst>
+                <a:latin typeface="+mj-lt"/>
+                <a:ea typeface="+mj-ea"/>
+                <a:cs typeface="+mj-cs"/>
+              </a:rPr>
+              <a:t>Se genera un index.html y dos archivos .</a:t>
+            </a:r>
+            <a:r>
+              <a:rPr lang="es-ES" sz="2000" b="1" dirty="0" err="1" smtClean="0">
+                <a:solidFill>
+                  <a:schemeClr val="accent1">
+                    <a:lumMod val="75000"/>
+                  </a:schemeClr>
+                </a:solidFill>
+                <a:effectLst>
+                  <a:outerShdw blurRad="31750" dist="25400" dir="5400000" algn="tl" rotWithShape="0">
+                    <a:srgbClr val="000000">
+                      <a:alpha val="25000"/>
+                    </a:srgbClr>
+                  </a:outerShdw>
+                </a:effectLst>
+                <a:latin typeface="+mj-lt"/>
+                <a:ea typeface="+mj-ea"/>
+                <a:cs typeface="+mj-cs"/>
+              </a:rPr>
+              <a:t>js</a:t>
+            </a:r>
+            <a:r>
+              <a:rPr lang="es-ES" sz="2000" b="1" dirty="0" smtClean="0">
+                <a:solidFill>
+                  <a:schemeClr val="accent1">
+                    <a:lumMod val="75000"/>
+                  </a:schemeClr>
+                </a:solidFill>
+                <a:effectLst>
+                  <a:outerShdw blurRad="31750" dist="25400" dir="5400000" algn="tl" rotWithShape="0">
+                    <a:srgbClr val="000000">
+                      <a:alpha val="25000"/>
+                    </a:srgbClr>
+                  </a:outerShdw>
+                </a:effectLst>
+                <a:latin typeface="+mj-lt"/>
+                <a:ea typeface="+mj-ea"/>
+                <a:cs typeface="+mj-cs"/>
+              </a:rPr>
+              <a:t> en la carpeta </a:t>
+            </a:r>
+            <a:r>
+              <a:rPr lang="es-ES" sz="2000" b="1" dirty="0" err="1" smtClean="0">
+                <a:solidFill>
+                  <a:schemeClr val="accent1">
+                    <a:lumMod val="75000"/>
+                  </a:schemeClr>
+                </a:solidFill>
+                <a:effectLst>
+                  <a:outerShdw blurRad="31750" dist="25400" dir="5400000" algn="tl" rotWithShape="0">
+                    <a:srgbClr val="000000">
+                      <a:alpha val="25000"/>
+                    </a:srgbClr>
+                  </a:outerShdw>
+                </a:effectLst>
+                <a:latin typeface="+mj-lt"/>
+                <a:ea typeface="+mj-ea"/>
+                <a:cs typeface="+mj-cs"/>
+              </a:rPr>
+              <a:t>dist</a:t>
+            </a:r>
+            <a:r>
+              <a:rPr lang="es-ES" sz="2000" b="1" dirty="0" smtClean="0">
+                <a:solidFill>
+                  <a:schemeClr val="accent1">
+                    <a:lumMod val="75000"/>
+                  </a:schemeClr>
+                </a:solidFill>
+                <a:effectLst>
+                  <a:outerShdw blurRad="31750" dist="25400" dir="5400000" algn="tl" rotWithShape="0">
+                    <a:srgbClr val="000000">
+                      <a:alpha val="25000"/>
+                    </a:srgbClr>
+                  </a:outerShdw>
+                </a:effectLst>
+                <a:latin typeface="+mj-lt"/>
+                <a:ea typeface="+mj-ea"/>
+                <a:cs typeface="+mj-cs"/>
+              </a:rPr>
+              <a:t> del proyecto o </a:t>
+            </a:r>
+            <a:r>
+              <a:rPr lang="es-ES" sz="2000" b="1" dirty="0" err="1" smtClean="0">
+                <a:solidFill>
+                  <a:schemeClr val="accent1">
+                    <a:lumMod val="75000"/>
+                  </a:schemeClr>
+                </a:solidFill>
+                <a:effectLst>
+                  <a:outerShdw blurRad="31750" dist="25400" dir="5400000" algn="tl" rotWithShape="0">
+                    <a:srgbClr val="000000">
+                      <a:alpha val="25000"/>
+                    </a:srgbClr>
+                  </a:outerShdw>
+                </a:effectLst>
+                <a:latin typeface="+mj-lt"/>
+                <a:ea typeface="+mj-ea"/>
+                <a:cs typeface="+mj-cs"/>
+              </a:rPr>
+              <a:t>workspace</a:t>
+            </a:r>
+            <a:r>
+              <a:rPr lang="es-ES" sz="2000" b="1" dirty="0" smtClean="0">
+                <a:solidFill>
+                  <a:schemeClr val="accent1">
+                    <a:lumMod val="75000"/>
+                  </a:schemeClr>
+                </a:solidFill>
+                <a:effectLst>
+                  <a:outerShdw blurRad="31750" dist="25400" dir="5400000" algn="tl" rotWithShape="0">
+                    <a:srgbClr val="000000">
+                      <a:alpha val="25000"/>
+                    </a:srgbClr>
+                  </a:outerShdw>
+                </a:effectLst>
+                <a:latin typeface="+mj-lt"/>
+                <a:ea typeface="+mj-ea"/>
+                <a:cs typeface="+mj-cs"/>
+              </a:rPr>
+              <a:t>. Esos archivos se suben a un servidor Web</a:t>
+            </a:r>
+          </a:p>
+          <a:p>
+            <a:pPr>
+              <a:spcBef>
+                <a:spcPts val="600"/>
+              </a:spcBef>
+              <a:buFont typeface="Wingdings" pitchFamily="2" charset="2"/>
+              <a:buChar char="Ø"/>
+              <a:defRPr/>
+            </a:pPr>
+            <a:endParaRPr lang="es-ES" sz="2000" b="1" dirty="0" smtClean="0">
+              <a:solidFill>
+                <a:schemeClr val="accent1">
+                  <a:lumMod val="75000"/>
+                </a:schemeClr>
+              </a:solidFill>
+              <a:effectLst>
+                <a:outerShdw blurRad="31750" dist="25400" dir="5400000" algn="tl" rotWithShape="0">
+                  <a:srgbClr val="000000">
+                    <a:alpha val="25000"/>
+                  </a:srgbClr>
+                </a:outerShdw>
+              </a:effectLst>
+              <a:latin typeface="+mj-lt"/>
+              <a:ea typeface="+mj-ea"/>
+              <a:cs typeface="+mj-cs"/>
+            </a:endParaRPr>
+          </a:p>
+          <a:p>
+            <a:pPr>
+              <a:spcBef>
+                <a:spcPts val="600"/>
+              </a:spcBef>
+              <a:buFont typeface="Wingdings" pitchFamily="2" charset="2"/>
+              <a:buChar char="Ø"/>
+              <a:defRPr/>
+            </a:pPr>
+            <a:endParaRPr lang="es-ES" sz="2000" b="1" dirty="0" smtClean="0">
+              <a:solidFill>
+                <a:schemeClr val="accent1">
+                  <a:lumMod val="75000"/>
+                </a:schemeClr>
+              </a:solidFill>
+              <a:effectLst>
+                <a:outerShdw blurRad="31750" dist="25400" dir="5400000" algn="tl" rotWithShape="0">
+                  <a:srgbClr val="000000">
+                    <a:alpha val="25000"/>
+                  </a:srgbClr>
+                </a:outerShdw>
+              </a:effectLst>
+              <a:latin typeface="+mj-lt"/>
+              <a:ea typeface="+mj-ea"/>
+              <a:cs typeface="+mj-cs"/>
+            </a:endParaRPr>
+          </a:p>
+          <a:p>
+            <a:pPr>
+              <a:spcBef>
+                <a:spcPts val="600"/>
+              </a:spcBef>
+              <a:buFont typeface="Wingdings" pitchFamily="2" charset="2"/>
+              <a:buChar char="Ø"/>
+              <a:defRPr/>
+            </a:pPr>
+            <a:endParaRPr lang="es-ES" sz="2000" b="1" dirty="0" smtClean="0">
+              <a:solidFill>
+                <a:schemeClr val="accent1">
+                  <a:lumMod val="75000"/>
+                </a:schemeClr>
+              </a:solidFill>
+              <a:effectLst>
+                <a:outerShdw blurRad="31750" dist="25400" dir="5400000" algn="tl" rotWithShape="0">
+                  <a:srgbClr val="000000">
+                    <a:alpha val="25000"/>
+                  </a:srgbClr>
+                </a:outerShdw>
+              </a:effectLst>
+              <a:latin typeface="+mj-lt"/>
+              <a:ea typeface="+mj-ea"/>
+              <a:cs typeface="+mj-cs"/>
+            </a:endParaRPr>
+          </a:p>
+          <a:p>
+            <a:pPr>
+              <a:spcBef>
+                <a:spcPts val="600"/>
+              </a:spcBef>
+              <a:buFont typeface="Wingdings" pitchFamily="2" charset="2"/>
+              <a:buChar char="Ø"/>
+              <a:defRPr/>
+            </a:pPr>
+            <a:endParaRPr lang="es-ES" sz="2000" b="1" dirty="0" smtClean="0">
+              <a:solidFill>
+                <a:schemeClr val="accent1">
+                  <a:lumMod val="75000"/>
+                </a:schemeClr>
+              </a:solidFill>
+              <a:effectLst>
+                <a:outerShdw blurRad="31750" dist="25400" dir="5400000" algn="tl" rotWithShape="0">
+                  <a:srgbClr val="000000">
+                    <a:alpha val="25000"/>
+                  </a:srgbClr>
+                </a:outerShdw>
+              </a:effectLst>
+              <a:latin typeface="+mj-lt"/>
+              <a:ea typeface="+mj-ea"/>
+              <a:cs typeface="+mj-cs"/>
+            </a:endParaRPr>
+          </a:p>
+          <a:p>
+            <a:pPr>
+              <a:spcBef>
+                <a:spcPts val="600"/>
+              </a:spcBef>
+              <a:buFont typeface="Wingdings" pitchFamily="2" charset="2"/>
+              <a:buChar char="Ø"/>
+              <a:defRPr/>
+            </a:pPr>
+            <a:endParaRPr lang="es-ES" sz="2000" b="1" dirty="0" smtClean="0">
+              <a:solidFill>
+                <a:schemeClr val="accent1">
+                  <a:lumMod val="75000"/>
+                </a:schemeClr>
+              </a:solidFill>
+              <a:effectLst>
+                <a:outerShdw blurRad="31750" dist="25400" dir="5400000" algn="tl" rotWithShape="0">
+                  <a:srgbClr val="000000">
+                    <a:alpha val="25000"/>
+                  </a:srgbClr>
+                </a:outerShdw>
+              </a:effectLst>
+              <a:latin typeface="+mj-lt"/>
+              <a:ea typeface="+mj-ea"/>
+              <a:cs typeface="+mj-cs"/>
+            </a:endParaRPr>
+          </a:p>
+          <a:p>
+            <a:pPr>
+              <a:spcBef>
+                <a:spcPts val="600"/>
+              </a:spcBef>
+              <a:buFont typeface="Wingdings" pitchFamily="2" charset="2"/>
+              <a:buChar char="Ø"/>
+              <a:defRPr/>
+            </a:pPr>
+            <a:endParaRPr lang="es-ES" sz="2000" b="1" dirty="0" smtClean="0">
+              <a:solidFill>
+                <a:schemeClr val="accent1">
+                  <a:lumMod val="75000"/>
+                </a:schemeClr>
+              </a:solidFill>
+              <a:effectLst>
+                <a:outerShdw blurRad="31750" dist="25400" dir="5400000" algn="tl" rotWithShape="0">
+                  <a:srgbClr val="000000">
+                    <a:alpha val="25000"/>
+                  </a:srgbClr>
+                </a:outerShdw>
+              </a:effectLst>
+              <a:latin typeface="+mj-lt"/>
+              <a:ea typeface="+mj-ea"/>
+              <a:cs typeface="+mj-cs"/>
+            </a:endParaRPr>
+          </a:p>
+          <a:p>
+            <a:pPr>
+              <a:spcBef>
+                <a:spcPts val="600"/>
+              </a:spcBef>
+              <a:spcAft>
+                <a:spcPts val="1200"/>
+              </a:spcAft>
+              <a:buFont typeface="Wingdings" pitchFamily="2" charset="2"/>
+              <a:buChar char="Ø"/>
+              <a:defRPr/>
+            </a:pPr>
+            <a:endParaRPr lang="es-ES" sz="2000" b="1" dirty="0" smtClean="0">
+              <a:solidFill>
+                <a:schemeClr val="accent1">
+                  <a:lumMod val="75000"/>
+                </a:schemeClr>
+              </a:solidFill>
+              <a:effectLst>
+                <a:outerShdw blurRad="31750" dist="25400" dir="5400000" algn="tl" rotWithShape="0">
+                  <a:srgbClr val="000000">
+                    <a:alpha val="25000"/>
+                  </a:srgbClr>
+                </a:outerShdw>
+              </a:effectLst>
+              <a:latin typeface="+mj-lt"/>
+              <a:ea typeface="+mj-ea"/>
+              <a:cs typeface="+mj-cs"/>
+            </a:endParaRPr>
+          </a:p>
+          <a:p>
+            <a:pPr>
+              <a:spcBef>
+                <a:spcPts val="600"/>
+              </a:spcBef>
+              <a:buFont typeface="Wingdings" pitchFamily="2" charset="2"/>
+              <a:buChar char="Ø"/>
+              <a:defRPr/>
+            </a:pPr>
+            <a:endParaRPr lang="es-ES" sz="2000" b="1" dirty="0" smtClean="0">
+              <a:solidFill>
+                <a:schemeClr val="accent1">
+                  <a:lumMod val="75000"/>
+                </a:schemeClr>
+              </a:solidFill>
+              <a:effectLst>
+                <a:outerShdw blurRad="31750" dist="25400" dir="5400000" algn="tl" rotWithShape="0">
+                  <a:srgbClr val="000000">
+                    <a:alpha val="25000"/>
+                  </a:srgbClr>
+                </a:outerShdw>
+              </a:effectLst>
+              <a:latin typeface="+mj-lt"/>
+              <a:ea typeface="+mj-ea"/>
+              <a:cs typeface="+mj-cs"/>
+            </a:endParaRPr>
+          </a:p>
+          <a:p>
+            <a:pPr>
+              <a:spcBef>
+                <a:spcPts val="600"/>
+              </a:spcBef>
+              <a:buFont typeface="Wingdings" pitchFamily="2" charset="2"/>
+              <a:buChar char="Ø"/>
+              <a:defRPr/>
+            </a:pPr>
+            <a:endParaRPr lang="es-ES" sz="2000" b="1" dirty="0" smtClean="0">
+              <a:solidFill>
+                <a:schemeClr val="accent1">
+                  <a:lumMod val="75000"/>
+                </a:schemeClr>
+              </a:solidFill>
+              <a:effectLst>
+                <a:outerShdw blurRad="31750" dist="25400" dir="5400000" algn="tl" rotWithShape="0">
+                  <a:srgbClr val="000000">
+                    <a:alpha val="25000"/>
+                  </a:srgbClr>
+                </a:outerShdw>
+              </a:effectLst>
+              <a:latin typeface="+mj-lt"/>
+              <a:ea typeface="+mj-ea"/>
+              <a:cs typeface="+mj-cs"/>
+            </a:endParaRPr>
+          </a:p>
+          <a:p>
+            <a:pPr>
+              <a:spcBef>
+                <a:spcPts val="600"/>
+              </a:spcBef>
+              <a:buFont typeface="Wingdings" pitchFamily="2" charset="2"/>
+              <a:buChar char="Ø"/>
+              <a:defRPr/>
+            </a:pPr>
+            <a:endParaRPr lang="es-ES" sz="2000" b="1" dirty="0" smtClean="0">
+              <a:solidFill>
+                <a:schemeClr val="accent1">
+                  <a:lumMod val="75000"/>
+                </a:schemeClr>
+              </a:solidFill>
+              <a:effectLst>
+                <a:outerShdw blurRad="31750" dist="25400" dir="5400000" algn="tl" rotWithShape="0">
+                  <a:srgbClr val="000000">
+                    <a:alpha val="25000"/>
+                  </a:srgbClr>
+                </a:outerShdw>
+              </a:effectLst>
+              <a:latin typeface="+mj-lt"/>
+              <a:ea typeface="+mj-ea"/>
+              <a:cs typeface="+mj-cs"/>
+            </a:endParaRPr>
+          </a:p>
+          <a:p>
+            <a:pPr>
+              <a:spcBef>
+                <a:spcPts val="600"/>
+              </a:spcBef>
+              <a:spcAft>
+                <a:spcPts val="1200"/>
+              </a:spcAft>
+              <a:buFont typeface="Wingdings" pitchFamily="2" charset="2"/>
+              <a:buChar char="Ø"/>
+              <a:defRPr/>
+            </a:pPr>
+            <a:endParaRPr lang="es-ES" sz="2000" b="1" dirty="0" smtClean="0">
+              <a:solidFill>
+                <a:schemeClr val="accent1">
+                  <a:lumMod val="75000"/>
+                </a:schemeClr>
+              </a:solidFill>
+              <a:effectLst>
+                <a:outerShdw blurRad="31750" dist="25400" dir="5400000" algn="tl" rotWithShape="0">
+                  <a:srgbClr val="000000">
+                    <a:alpha val="25000"/>
+                  </a:srgbClr>
+                </a:outerShdw>
+              </a:effectLst>
+              <a:latin typeface="+mj-lt"/>
+              <a:ea typeface="+mj-ea"/>
+              <a:cs typeface="+mj-cs"/>
+            </a:endParaRPr>
+          </a:p>
+          <a:p>
+            <a:pPr lvl="0">
+              <a:spcBef>
+                <a:spcPts val="600"/>
+              </a:spcBef>
+              <a:buFont typeface="Wingdings" pitchFamily="2" charset="2"/>
+              <a:buChar char="Ø"/>
+              <a:defRPr/>
+            </a:pPr>
+            <a:endParaRPr lang="es-ES" sz="2000" b="1" dirty="0" smtClean="0">
+              <a:solidFill>
+                <a:schemeClr val="accent1">
+                  <a:lumMod val="75000"/>
+                </a:schemeClr>
+              </a:solidFill>
+              <a:effectLst>
+                <a:outerShdw blurRad="31750" dist="25400" dir="5400000" algn="tl" rotWithShape="0">
+                  <a:srgbClr val="000000">
+                    <a:alpha val="25000"/>
+                  </a:srgbClr>
+                </a:outerShdw>
+              </a:effectLst>
+              <a:latin typeface="+mj-lt"/>
+              <a:ea typeface="+mj-ea"/>
+              <a:cs typeface="+mj-cs"/>
+            </a:endParaRPr>
+          </a:p>
+          <a:p>
+            <a:pPr marL="0" marR="0" lvl="0" indent="0" algn="l" defTabSz="914400" rtl="0" eaLnBrk="1" fontAlgn="auto" latinLnBrk="0" hangingPunct="1">
+              <a:lnSpc>
+                <a:spcPct val="100000"/>
+              </a:lnSpc>
+              <a:spcBef>
+                <a:spcPts val="600"/>
+              </a:spcBef>
+              <a:spcAft>
+                <a:spcPts val="1200"/>
+              </a:spcAft>
+              <a:buClrTx/>
+              <a:buSzTx/>
+              <a:buFont typeface="Wingdings" pitchFamily="2" charset="2"/>
+              <a:buChar char="Ø"/>
+              <a:tabLst/>
+              <a:defRPr/>
+            </a:pPr>
+            <a:endParaRPr lang="es-ES" sz="2000" b="1" dirty="0" smtClean="0">
+              <a:solidFill>
+                <a:schemeClr val="accent1">
+                  <a:lumMod val="75000"/>
+                </a:schemeClr>
+              </a:solidFill>
+              <a:effectLst>
+                <a:outerShdw blurRad="31750" dist="25400" dir="5400000" algn="tl" rotWithShape="0">
+                  <a:srgbClr val="000000">
+                    <a:alpha val="25000"/>
+                  </a:srgbClr>
+                </a:outerShdw>
+              </a:effectLst>
+              <a:latin typeface="+mj-lt"/>
+              <a:ea typeface="+mj-ea"/>
+              <a:cs typeface="+mj-cs"/>
+            </a:endParaRPr>
+          </a:p>
+          <a:p>
+            <a:pPr marL="0" marR="0" lvl="0" indent="0" algn="l" defTabSz="914400" rtl="0" eaLnBrk="1" fontAlgn="auto" latinLnBrk="0" hangingPunct="1">
+              <a:lnSpc>
+                <a:spcPct val="100000"/>
+              </a:lnSpc>
+              <a:spcBef>
+                <a:spcPts val="600"/>
+              </a:spcBef>
+              <a:spcAft>
+                <a:spcPts val="1200"/>
+              </a:spcAft>
+              <a:buClrTx/>
+              <a:buSzTx/>
+              <a:buFont typeface="Wingdings" pitchFamily="2" charset="2"/>
+              <a:buChar char="Ø"/>
+              <a:tabLst/>
+              <a:defRPr/>
+            </a:pPr>
+            <a:endParaRPr lang="es-ES" sz="2000" b="1" dirty="0" smtClean="0">
+              <a:solidFill>
+                <a:schemeClr val="accent1">
+                  <a:lumMod val="75000"/>
+                </a:schemeClr>
+              </a:solidFill>
+              <a:effectLst>
+                <a:outerShdw blurRad="31750" dist="25400" dir="5400000" algn="tl" rotWithShape="0">
+                  <a:srgbClr val="000000">
+                    <a:alpha val="25000"/>
+                  </a:srgbClr>
+                </a:outerShdw>
+              </a:effectLst>
+              <a:latin typeface="+mj-lt"/>
+              <a:ea typeface="+mj-ea"/>
+              <a:cs typeface="+mj-cs"/>
+            </a:endParaRPr>
+          </a:p>
+          <a:p>
+            <a:pPr marL="0" marR="0" lvl="0" indent="0" algn="l" defTabSz="914400" rtl="0" eaLnBrk="1" fontAlgn="auto" latinLnBrk="0" hangingPunct="1">
+              <a:lnSpc>
+                <a:spcPct val="100000"/>
+              </a:lnSpc>
+              <a:spcBef>
+                <a:spcPts val="600"/>
+              </a:spcBef>
+              <a:spcAft>
+                <a:spcPts val="1200"/>
+              </a:spcAft>
+              <a:buClrTx/>
+              <a:buSzTx/>
+              <a:buFontTx/>
+              <a:buNone/>
+              <a:tabLst/>
+              <a:defRPr/>
+            </a:pPr>
+            <a:endParaRPr kumimoji="0" lang="es-ES" sz="2000" b="1" i="0" u="none" strike="noStrike" kern="1200" cap="none" spc="0" normalizeH="0" baseline="0" noProof="0" dirty="0">
+              <a:ln>
+                <a:noFill/>
+              </a:ln>
+              <a:solidFill>
+                <a:schemeClr val="accent1">
+                  <a:lumMod val="75000"/>
+                </a:schemeClr>
+              </a:solidFill>
+              <a:effectLst>
+                <a:outerShdw blurRad="31750" dist="25400" dir="5400000" algn="tl" rotWithShape="0">
+                  <a:srgbClr val="000000">
+                    <a:alpha val="25000"/>
+                  </a:srgbClr>
+                </a:outerShdw>
+              </a:effectLst>
+              <a:uLnTx/>
+              <a:uFillTx/>
+              <a:latin typeface="+mj-lt"/>
+              <a:ea typeface="+mj-ea"/>
+              <a:cs typeface="+mj-cs"/>
+            </a:endParaRPr>
+          </a:p>
+        </p:txBody>
+      </p:sp>
+      <p:sp>
+        <p:nvSpPr>
+          <p:cNvPr id="1025" name="Rectangle 1"/>
+          <p:cNvSpPr>
+            <a:spLocks noChangeArrowheads="1"/>
+          </p:cNvSpPr>
+          <p:nvPr/>
+        </p:nvSpPr>
+        <p:spPr bwMode="auto">
+          <a:xfrm>
+            <a:off x="1619672" y="2139702"/>
+            <a:ext cx="3563796" cy="307777"/>
+          </a:xfrm>
+          <a:prstGeom prst="rect">
+            <a:avLst/>
+          </a:prstGeom>
+          <a:noFill/>
+          <a:ln w="9525">
+            <a:noFill/>
+            <a:miter lim="800000"/>
+            <a:headEnd/>
+            <a:tailEnd/>
+          </a:ln>
+          <a:effectLst/>
+        </p:spPr>
+        <p:txBody>
+          <a:bodyPr vert="horz" wrap="none" lIns="91440" tIns="45720" rIns="91440" bIns="45720" numCol="1" anchor="ctr" anchorCtr="0" compatLnSpc="1">
+            <a:prstTxWarp prst="textNoShape">
+              <a:avLst/>
+            </a:prstTxWarp>
+            <a:spAutoFit/>
+          </a:bodyPr>
+          <a:lstStyle/>
+          <a:p>
+            <a:pPr marL="0" marR="0" lvl="0" indent="0" algn="l" defTabSz="914400" rtl="0" eaLnBrk="1" fontAlgn="base" latinLnBrk="0" hangingPunct="1">
+              <a:lnSpc>
+                <a:spcPct val="100000"/>
+              </a:lnSpc>
+              <a:spcBef>
+                <a:spcPct val="0"/>
+              </a:spcBef>
+              <a:spcAft>
+                <a:spcPct val="0"/>
+              </a:spcAft>
+              <a:buClrTx/>
+              <a:buSzTx/>
+              <a:buFontTx/>
+              <a:buNone/>
+              <a:tabLst/>
+            </a:pPr>
+            <a:r>
+              <a:rPr kumimoji="0" lang="en-US" sz="1400" b="0" i="0" u="none" strike="noStrike" cap="none" normalizeH="0" baseline="0" dirty="0" smtClean="0">
+                <a:ln>
+                  <a:noFill/>
+                </a:ln>
+                <a:solidFill>
+                  <a:schemeClr val="tx1"/>
+                </a:solidFill>
+                <a:effectLst/>
+                <a:latin typeface="Consolas" pitchFamily="49" charset="0"/>
+                <a:ea typeface="Calibri" pitchFamily="34" charset="0"/>
+                <a:cs typeface="Times New Roman" pitchFamily="18" charset="0"/>
+              </a:rPr>
+              <a:t>&gt;</a:t>
+            </a:r>
+            <a:r>
+              <a:rPr kumimoji="0" lang="en-US" sz="1400" b="0" i="0" u="none" strike="noStrike" cap="none" normalizeH="0" baseline="0" dirty="0" err="1" smtClean="0">
+                <a:ln>
+                  <a:noFill/>
+                </a:ln>
+                <a:solidFill>
+                  <a:schemeClr val="tx1"/>
+                </a:solidFill>
+                <a:effectLst/>
+                <a:latin typeface="Consolas" pitchFamily="49" charset="0"/>
+                <a:ea typeface="Calibri" pitchFamily="34" charset="0"/>
+                <a:cs typeface="Times New Roman" pitchFamily="18" charset="0"/>
+              </a:rPr>
+              <a:t>ng</a:t>
+            </a:r>
+            <a:r>
+              <a:rPr kumimoji="0" lang="en-US" sz="1400" b="0" i="0" u="none" strike="noStrike" cap="none" normalizeH="0" baseline="0" dirty="0" smtClean="0">
+                <a:ln>
+                  <a:noFill/>
+                </a:ln>
+                <a:solidFill>
+                  <a:schemeClr val="tx1"/>
+                </a:solidFill>
+                <a:effectLst/>
+                <a:latin typeface="Consolas" pitchFamily="49" charset="0"/>
+                <a:ea typeface="Calibri" pitchFamily="34" charset="0"/>
+                <a:cs typeface="Times New Roman" pitchFamily="18" charset="0"/>
+              </a:rPr>
+              <a:t> build --base-</a:t>
+            </a:r>
+            <a:r>
+              <a:rPr kumimoji="0" lang="en-US" sz="1400" b="0" i="0" u="none" strike="noStrike" cap="none" normalizeH="0" baseline="0" dirty="0" err="1" smtClean="0">
+                <a:ln>
+                  <a:noFill/>
+                </a:ln>
+                <a:solidFill>
+                  <a:schemeClr val="tx1"/>
+                </a:solidFill>
+                <a:effectLst/>
+                <a:latin typeface="Consolas" pitchFamily="49" charset="0"/>
+                <a:ea typeface="Calibri" pitchFamily="34" charset="0"/>
+                <a:cs typeface="Times New Roman" pitchFamily="18" charset="0"/>
+              </a:rPr>
+              <a:t>href</a:t>
+            </a:r>
+            <a:r>
+              <a:rPr kumimoji="0" lang="en-US" sz="1400" b="0" i="0" u="none" strike="noStrike" cap="none" normalizeH="0" baseline="0" dirty="0" smtClean="0">
+                <a:ln>
+                  <a:noFill/>
+                </a:ln>
+                <a:solidFill>
+                  <a:schemeClr val="tx1"/>
+                </a:solidFill>
+                <a:effectLst/>
+                <a:latin typeface="Consolas" pitchFamily="49" charset="0"/>
+                <a:ea typeface="Calibri" pitchFamily="34" charset="0"/>
+                <a:cs typeface="Times New Roman" pitchFamily="18" charset="0"/>
+              </a:rPr>
+              <a:t>=/</a:t>
+            </a:r>
+            <a:r>
+              <a:rPr kumimoji="0" lang="en-US" sz="1400" b="0" i="0" u="none" strike="noStrike" cap="none" normalizeH="0" baseline="0" dirty="0" err="1" smtClean="0">
+                <a:ln>
+                  <a:noFill/>
+                </a:ln>
+                <a:solidFill>
+                  <a:schemeClr val="tx1"/>
+                </a:solidFill>
+                <a:effectLst/>
+                <a:latin typeface="Consolas" pitchFamily="49" charset="0"/>
+                <a:ea typeface="Calibri" pitchFamily="34" charset="0"/>
+                <a:cs typeface="Times New Roman" pitchFamily="18" charset="0"/>
+              </a:rPr>
+              <a:t>nombre_app</a:t>
+            </a:r>
+            <a:r>
+              <a:rPr kumimoji="0" lang="en-US" sz="1400" b="0" i="0" u="none" strike="noStrike" cap="none" normalizeH="0" baseline="0" dirty="0" smtClean="0">
+                <a:ln>
+                  <a:noFill/>
+                </a:ln>
+                <a:solidFill>
+                  <a:schemeClr val="tx1"/>
+                </a:solidFill>
+                <a:effectLst/>
+                <a:latin typeface="Consolas" pitchFamily="49" charset="0"/>
+                <a:ea typeface="Calibri" pitchFamily="34" charset="0"/>
+                <a:cs typeface="Times New Roman" pitchFamily="18" charset="0"/>
+              </a:rPr>
+              <a:t>/</a:t>
+            </a:r>
+            <a:endParaRPr kumimoji="0" lang="en-US" sz="1400" b="0" i="0" u="none" strike="noStrike" cap="none" normalizeH="0" baseline="0" dirty="0" smtClean="0">
+              <a:ln>
+                <a:noFill/>
+              </a:ln>
+              <a:solidFill>
+                <a:schemeClr val="tx1"/>
+              </a:solidFill>
+              <a:effectLst/>
+              <a:latin typeface="Consolas" pitchFamily="49" charset="0"/>
+              <a:cs typeface="Arial" pitchFamily="34" charset="0"/>
+            </a:endParaRPr>
+          </a:p>
+        </p:txBody>
+      </p:sp>
+    </p:spTree>
+  </p:cSld>
+  <p:clrMapOvr>
+    <a:masterClrMapping/>
+  </p:clrMapOvr>
+  <p:timing>
+    <p:tnLst>
+      <p:par>
+        <p:cTn id="1" dur="indefinite" restart="never" nodeType="tmRoot"/>
+      </p:par>
+    </p:tnLst>
+  </p:timing>
+</p:sld>
+</file>
+
+<file path=ppt/slides/slide32.xml><?xml version="1.0" encoding="utf-8"?>
+<p:sld xmlns:a="http://schemas.openxmlformats.org/drawingml/2006/main" xmlns:r="http://schemas.openxmlformats.org/officeDocument/2006/relationships" xmlns:p="http://schemas.openxmlformats.org/presentationml/2006/main">
+  <p:cSld>
+    <p:spTree>
+      <p:nvGrpSpPr>
+        <p:cNvPr id="1" name=""/>
+        <p:cNvGrpSpPr/>
+        <p:nvPr/>
+      </p:nvGrpSpPr>
+      <p:grpSpPr>
+        <a:xfrm>
+          <a:off x="0" y="0"/>
+          <a:ext cx="0" cy="0"/>
+          <a:chOff x="0" y="0"/>
+          <a:chExt cx="0" cy="0"/>
+        </a:xfrm>
+      </p:grpSpPr>
+      <p:sp>
+        <p:nvSpPr>
+          <p:cNvPr id="2" name="1 Título"/>
+          <p:cNvSpPr>
+            <a:spLocks noGrp="1"/>
+          </p:cNvSpPr>
+          <p:nvPr>
+            <p:ph type="title"/>
+          </p:nvPr>
+        </p:nvSpPr>
+        <p:spPr>
+          <a:xfrm>
+            <a:off x="467544" y="123478"/>
+            <a:ext cx="8136904" cy="857250"/>
+          </a:xfrm>
+        </p:spPr>
+        <p:txBody>
+          <a:bodyPr>
+            <a:normAutofit/>
+          </a:bodyPr>
+          <a:lstStyle/>
+          <a:p>
+            <a:r>
+              <a:rPr lang="es-ES" dirty="0" err="1" smtClean="0"/>
+              <a:t>Testing</a:t>
+            </a:r>
+            <a:r>
+              <a:rPr lang="es-ES" dirty="0" smtClean="0"/>
+              <a:t> en angular</a:t>
+            </a:r>
+            <a:endParaRPr lang="es-ES" dirty="0"/>
+          </a:p>
+        </p:txBody>
+      </p:sp>
+      <p:sp>
+        <p:nvSpPr>
+          <p:cNvPr id="3" name="1 Título"/>
+          <p:cNvSpPr txBox="1">
+            <a:spLocks/>
+          </p:cNvSpPr>
+          <p:nvPr/>
+        </p:nvSpPr>
+        <p:spPr>
+          <a:xfrm>
+            <a:off x="467544" y="699542"/>
+            <a:ext cx="7560840" cy="864096"/>
+          </a:xfrm>
+          <a:prstGeom prst="rect">
+            <a:avLst/>
+          </a:prstGeom>
+        </p:spPr>
+        <p:txBody>
+          <a:bodyPr/>
+          <a:lstStyle/>
+          <a:p>
+            <a:pPr>
+              <a:spcBef>
+                <a:spcPts val="600"/>
+              </a:spcBef>
+              <a:spcAft>
+                <a:spcPts val="1200"/>
+              </a:spcAft>
+              <a:buFont typeface="Wingdings" pitchFamily="2" charset="2"/>
+              <a:buChar char="Ø"/>
+              <a:defRPr/>
+            </a:pPr>
+            <a:r>
+              <a:rPr lang="es-ES" sz="2000" b="1" dirty="0" smtClean="0">
+                <a:solidFill>
+                  <a:schemeClr val="accent1">
+                    <a:lumMod val="75000"/>
+                  </a:schemeClr>
+                </a:solidFill>
+                <a:effectLst>
+                  <a:outerShdw blurRad="31750" dist="25400" dir="5400000" algn="tl" rotWithShape="0">
+                    <a:srgbClr val="000000">
+                      <a:alpha val="25000"/>
+                    </a:srgbClr>
+                  </a:outerShdw>
+                </a:effectLst>
+                <a:latin typeface="+mj-lt"/>
+                <a:ea typeface="+mj-ea"/>
+                <a:cs typeface="+mj-cs"/>
+              </a:rPr>
+              <a:t>La librería </a:t>
+            </a:r>
+            <a:r>
+              <a:rPr lang="es-ES" sz="2000" b="1" dirty="0" err="1" smtClean="0">
+                <a:solidFill>
+                  <a:schemeClr val="accent1">
+                    <a:lumMod val="75000"/>
+                  </a:schemeClr>
+                </a:solidFill>
+                <a:effectLst>
+                  <a:outerShdw blurRad="31750" dist="25400" dir="5400000" algn="tl" rotWithShape="0">
+                    <a:srgbClr val="000000">
+                      <a:alpha val="25000"/>
+                    </a:srgbClr>
+                  </a:outerShdw>
+                </a:effectLst>
+                <a:latin typeface="+mj-lt"/>
+                <a:ea typeface="+mj-ea"/>
+                <a:cs typeface="+mj-cs"/>
+              </a:rPr>
+              <a:t>jazmin</a:t>
+            </a:r>
+            <a:r>
+              <a:rPr lang="es-ES" sz="2000" b="1" dirty="0" smtClean="0">
+                <a:solidFill>
+                  <a:schemeClr val="accent1">
+                    <a:lumMod val="75000"/>
+                  </a:schemeClr>
+                </a:solidFill>
+                <a:effectLst>
+                  <a:outerShdw blurRad="31750" dist="25400" dir="5400000" algn="tl" rotWithShape="0">
+                    <a:srgbClr val="000000">
+                      <a:alpha val="25000"/>
+                    </a:srgbClr>
+                  </a:outerShdw>
+                </a:effectLst>
+                <a:latin typeface="+mj-lt"/>
+                <a:ea typeface="+mj-ea"/>
+                <a:cs typeface="+mj-cs"/>
+              </a:rPr>
+              <a:t> permite realizar pruebas unitarias en Angular</a:t>
+            </a:r>
+          </a:p>
+          <a:p>
+            <a:pPr>
+              <a:spcBef>
+                <a:spcPts val="600"/>
+              </a:spcBef>
+              <a:spcAft>
+                <a:spcPts val="1200"/>
+              </a:spcAft>
+              <a:buFont typeface="Wingdings" pitchFamily="2" charset="2"/>
+              <a:buChar char="Ø"/>
+              <a:defRPr/>
+            </a:pPr>
+            <a:r>
+              <a:rPr lang="es-ES" sz="2000" b="1" dirty="0" smtClean="0">
+                <a:solidFill>
+                  <a:schemeClr val="accent1">
+                    <a:lumMod val="75000"/>
+                  </a:schemeClr>
+                </a:solidFill>
+                <a:effectLst>
+                  <a:outerShdw blurRad="31750" dist="25400" dir="5400000" algn="tl" rotWithShape="0">
+                    <a:srgbClr val="000000">
+                      <a:alpha val="25000"/>
+                    </a:srgbClr>
+                  </a:outerShdw>
+                </a:effectLst>
+                <a:latin typeface="+mj-lt"/>
+                <a:ea typeface="+mj-ea"/>
+                <a:cs typeface="+mj-cs"/>
+              </a:rPr>
+              <a:t>Se incorpora por defecto con la instalación de Angular </a:t>
+            </a:r>
+            <a:r>
+              <a:rPr lang="es-ES" sz="2000" b="1" dirty="0" err="1" smtClean="0">
+                <a:solidFill>
+                  <a:schemeClr val="accent1">
+                    <a:lumMod val="75000"/>
+                  </a:schemeClr>
+                </a:solidFill>
+                <a:effectLst>
+                  <a:outerShdw blurRad="31750" dist="25400" dir="5400000" algn="tl" rotWithShape="0">
+                    <a:srgbClr val="000000">
+                      <a:alpha val="25000"/>
+                    </a:srgbClr>
+                  </a:outerShdw>
+                </a:effectLst>
+                <a:latin typeface="+mj-lt"/>
+                <a:ea typeface="+mj-ea"/>
+                <a:cs typeface="+mj-cs"/>
+              </a:rPr>
+              <a:t>cli</a:t>
+            </a:r>
+            <a:endParaRPr lang="es-ES" sz="2000" b="1" dirty="0" smtClean="0">
+              <a:solidFill>
+                <a:schemeClr val="accent1">
+                  <a:lumMod val="75000"/>
+                </a:schemeClr>
+              </a:solidFill>
+              <a:effectLst>
+                <a:outerShdw blurRad="31750" dist="25400" dir="5400000" algn="tl" rotWithShape="0">
+                  <a:srgbClr val="000000">
+                    <a:alpha val="25000"/>
+                  </a:srgbClr>
+                </a:outerShdw>
+              </a:effectLst>
+              <a:latin typeface="+mj-lt"/>
+              <a:ea typeface="+mj-ea"/>
+              <a:cs typeface="+mj-cs"/>
+            </a:endParaRPr>
+          </a:p>
+          <a:p>
+            <a:pPr>
+              <a:spcBef>
+                <a:spcPts val="600"/>
+              </a:spcBef>
+              <a:spcAft>
+                <a:spcPts val="1200"/>
+              </a:spcAft>
+              <a:buFont typeface="Wingdings" pitchFamily="2" charset="2"/>
+              <a:buChar char="Ø"/>
+              <a:defRPr/>
+            </a:pPr>
+            <a:r>
+              <a:rPr lang="es-ES" sz="2000" b="1" dirty="0" smtClean="0">
+                <a:solidFill>
+                  <a:schemeClr val="accent1">
+                    <a:lumMod val="75000"/>
+                  </a:schemeClr>
+                </a:solidFill>
+                <a:effectLst>
+                  <a:outerShdw blurRad="31750" dist="25400" dir="5400000" algn="tl" rotWithShape="0">
+                    <a:srgbClr val="000000">
+                      <a:alpha val="25000"/>
+                    </a:srgbClr>
+                  </a:outerShdw>
+                </a:effectLst>
+                <a:latin typeface="+mj-lt"/>
+                <a:ea typeface="+mj-ea"/>
+                <a:cs typeface="+mj-cs"/>
+              </a:rPr>
+              <a:t>Los métodos de test se incluyen en los archivos </a:t>
+            </a:r>
+            <a:r>
+              <a:rPr lang="es-ES" sz="2000" b="1" dirty="0" err="1" smtClean="0">
+                <a:solidFill>
+                  <a:schemeClr val="accent1">
+                    <a:lumMod val="75000"/>
+                  </a:schemeClr>
+                </a:solidFill>
+                <a:effectLst>
+                  <a:outerShdw blurRad="31750" dist="25400" dir="5400000" algn="tl" rotWithShape="0">
+                    <a:srgbClr val="000000">
+                      <a:alpha val="25000"/>
+                    </a:srgbClr>
+                  </a:outerShdw>
+                </a:effectLst>
+                <a:latin typeface="+mj-lt"/>
+                <a:ea typeface="+mj-ea"/>
+                <a:cs typeface="+mj-cs"/>
+              </a:rPr>
+              <a:t>spec.ts</a:t>
+            </a:r>
+            <a:r>
+              <a:rPr lang="es-ES" sz="2000" b="1" dirty="0" smtClean="0">
+                <a:solidFill>
+                  <a:schemeClr val="accent1">
+                    <a:lumMod val="75000"/>
+                  </a:schemeClr>
+                </a:solidFill>
+                <a:effectLst>
+                  <a:outerShdw blurRad="31750" dist="25400" dir="5400000" algn="tl" rotWithShape="0">
+                    <a:srgbClr val="000000">
+                      <a:alpha val="25000"/>
+                    </a:srgbClr>
+                  </a:outerShdw>
+                </a:effectLst>
+                <a:latin typeface="+mj-lt"/>
+                <a:ea typeface="+mj-ea"/>
+                <a:cs typeface="+mj-cs"/>
+              </a:rPr>
+              <a:t> asociados a </a:t>
+            </a:r>
+            <a:r>
+              <a:rPr lang="es-ES" sz="2000" b="1" dirty="0" err="1" smtClean="0">
+                <a:solidFill>
+                  <a:schemeClr val="accent1">
+                    <a:lumMod val="75000"/>
+                  </a:schemeClr>
+                </a:solidFill>
+                <a:effectLst>
+                  <a:outerShdw blurRad="31750" dist="25400" dir="5400000" algn="tl" rotWithShape="0">
+                    <a:srgbClr val="000000">
+                      <a:alpha val="25000"/>
+                    </a:srgbClr>
+                  </a:outerShdw>
+                </a:effectLst>
+                <a:latin typeface="+mj-lt"/>
+                <a:ea typeface="+mj-ea"/>
+                <a:cs typeface="+mj-cs"/>
+              </a:rPr>
+              <a:t>service</a:t>
+            </a:r>
+            <a:r>
+              <a:rPr lang="es-ES" sz="2000" b="1" dirty="0" smtClean="0">
+                <a:solidFill>
+                  <a:schemeClr val="accent1">
+                    <a:lumMod val="75000"/>
+                  </a:schemeClr>
+                </a:solidFill>
+                <a:effectLst>
+                  <a:outerShdw blurRad="31750" dist="25400" dir="5400000" algn="tl" rotWithShape="0">
+                    <a:srgbClr val="000000">
+                      <a:alpha val="25000"/>
+                    </a:srgbClr>
+                  </a:outerShdw>
+                </a:effectLst>
+                <a:latin typeface="+mj-lt"/>
+                <a:ea typeface="+mj-ea"/>
+                <a:cs typeface="+mj-cs"/>
+              </a:rPr>
+              <a:t> y </a:t>
+            </a:r>
+            <a:r>
+              <a:rPr lang="es-ES" sz="2000" b="1" dirty="0" err="1" smtClean="0">
+                <a:solidFill>
+                  <a:schemeClr val="accent1">
+                    <a:lumMod val="75000"/>
+                  </a:schemeClr>
+                </a:solidFill>
+                <a:effectLst>
+                  <a:outerShdw blurRad="31750" dist="25400" dir="5400000" algn="tl" rotWithShape="0">
+                    <a:srgbClr val="000000">
+                      <a:alpha val="25000"/>
+                    </a:srgbClr>
+                  </a:outerShdw>
+                </a:effectLst>
+                <a:latin typeface="+mj-lt"/>
+                <a:ea typeface="+mj-ea"/>
+                <a:cs typeface="+mj-cs"/>
+              </a:rPr>
+              <a:t>controllers</a:t>
+            </a:r>
+            <a:endParaRPr lang="es-ES" sz="2000" b="1" dirty="0" smtClean="0">
+              <a:solidFill>
+                <a:schemeClr val="accent1">
+                  <a:lumMod val="75000"/>
+                </a:schemeClr>
+              </a:solidFill>
+              <a:effectLst>
+                <a:outerShdw blurRad="31750" dist="25400" dir="5400000" algn="tl" rotWithShape="0">
+                  <a:srgbClr val="000000">
+                    <a:alpha val="25000"/>
+                  </a:srgbClr>
+                </a:outerShdw>
+              </a:effectLst>
+              <a:latin typeface="+mj-lt"/>
+              <a:ea typeface="+mj-ea"/>
+              <a:cs typeface="+mj-cs"/>
+            </a:endParaRPr>
+          </a:p>
+          <a:p>
+            <a:pPr>
+              <a:spcBef>
+                <a:spcPts val="600"/>
+              </a:spcBef>
+              <a:buFont typeface="Wingdings" pitchFamily="2" charset="2"/>
+              <a:buChar char="Ø"/>
+              <a:defRPr/>
+            </a:pPr>
+            <a:r>
+              <a:rPr lang="es-ES" sz="2000" b="1" dirty="0" smtClean="0">
+                <a:solidFill>
+                  <a:schemeClr val="accent1">
+                    <a:lumMod val="75000"/>
+                  </a:schemeClr>
+                </a:solidFill>
+                <a:effectLst>
+                  <a:outerShdw blurRad="31750" dist="25400" dir="5400000" algn="tl" rotWithShape="0">
+                    <a:srgbClr val="000000">
+                      <a:alpha val="25000"/>
+                    </a:srgbClr>
+                  </a:outerShdw>
+                </a:effectLst>
+                <a:latin typeface="+mj-lt"/>
+                <a:ea typeface="+mj-ea"/>
+                <a:cs typeface="+mj-cs"/>
+              </a:rPr>
+              <a:t>Las pruebas se basan en resultados esperados en las llamadas a los métodos</a:t>
+            </a:r>
+            <a:endParaRPr lang="es-ES" sz="2000" b="1" dirty="0" smtClean="0">
+              <a:solidFill>
+                <a:schemeClr val="accent1">
+                  <a:lumMod val="75000"/>
+                </a:schemeClr>
+              </a:solidFill>
+              <a:effectLst>
+                <a:outerShdw blurRad="31750" dist="25400" dir="5400000" algn="tl" rotWithShape="0">
+                  <a:srgbClr val="000000">
+                    <a:alpha val="25000"/>
+                  </a:srgbClr>
+                </a:outerShdw>
+              </a:effectLst>
+              <a:latin typeface="+mj-lt"/>
+              <a:ea typeface="+mj-ea"/>
+              <a:cs typeface="+mj-cs"/>
+            </a:endParaRPr>
+          </a:p>
+          <a:p>
+            <a:pPr>
+              <a:spcBef>
+                <a:spcPts val="600"/>
+              </a:spcBef>
+              <a:buFont typeface="Wingdings" pitchFamily="2" charset="2"/>
+              <a:buChar char="Ø"/>
+              <a:defRPr/>
+            </a:pPr>
+            <a:endParaRPr lang="es-ES" sz="2000" b="1" dirty="0" smtClean="0">
+              <a:solidFill>
+                <a:schemeClr val="accent1">
+                  <a:lumMod val="75000"/>
+                </a:schemeClr>
+              </a:solidFill>
+              <a:effectLst>
+                <a:outerShdw blurRad="31750" dist="25400" dir="5400000" algn="tl" rotWithShape="0">
+                  <a:srgbClr val="000000">
+                    <a:alpha val="25000"/>
+                  </a:srgbClr>
+                </a:outerShdw>
+              </a:effectLst>
+              <a:latin typeface="+mj-lt"/>
+              <a:ea typeface="+mj-ea"/>
+              <a:cs typeface="+mj-cs"/>
+            </a:endParaRPr>
+          </a:p>
+          <a:p>
+            <a:pPr>
+              <a:spcBef>
+                <a:spcPts val="600"/>
+              </a:spcBef>
+              <a:buFont typeface="Wingdings" pitchFamily="2" charset="2"/>
+              <a:buChar char="Ø"/>
+              <a:defRPr/>
+            </a:pPr>
+            <a:endParaRPr lang="es-ES" sz="2000" b="1" dirty="0" smtClean="0">
+              <a:solidFill>
+                <a:schemeClr val="accent1">
+                  <a:lumMod val="75000"/>
+                </a:schemeClr>
+              </a:solidFill>
+              <a:effectLst>
+                <a:outerShdw blurRad="31750" dist="25400" dir="5400000" algn="tl" rotWithShape="0">
+                  <a:srgbClr val="000000">
+                    <a:alpha val="25000"/>
+                  </a:srgbClr>
+                </a:outerShdw>
+              </a:effectLst>
+              <a:latin typeface="+mj-lt"/>
+              <a:ea typeface="+mj-ea"/>
+              <a:cs typeface="+mj-cs"/>
+            </a:endParaRPr>
+          </a:p>
+          <a:p>
+            <a:pPr>
+              <a:spcBef>
+                <a:spcPts val="600"/>
+              </a:spcBef>
+              <a:buFont typeface="Wingdings" pitchFamily="2" charset="2"/>
+              <a:buChar char="Ø"/>
+              <a:defRPr/>
+            </a:pPr>
+            <a:endParaRPr lang="es-ES" sz="2000" b="1" dirty="0" smtClean="0">
+              <a:solidFill>
+                <a:schemeClr val="accent1">
+                  <a:lumMod val="75000"/>
+                </a:schemeClr>
+              </a:solidFill>
+              <a:effectLst>
+                <a:outerShdw blurRad="31750" dist="25400" dir="5400000" algn="tl" rotWithShape="0">
+                  <a:srgbClr val="000000">
+                    <a:alpha val="25000"/>
+                  </a:srgbClr>
+                </a:outerShdw>
+              </a:effectLst>
+              <a:latin typeface="+mj-lt"/>
+              <a:ea typeface="+mj-ea"/>
+              <a:cs typeface="+mj-cs"/>
+            </a:endParaRPr>
+          </a:p>
+          <a:p>
+            <a:pPr>
+              <a:spcBef>
+                <a:spcPts val="600"/>
+              </a:spcBef>
+              <a:buFont typeface="Wingdings" pitchFamily="2" charset="2"/>
+              <a:buChar char="Ø"/>
+              <a:defRPr/>
+            </a:pPr>
+            <a:endParaRPr lang="es-ES" sz="2000" b="1" dirty="0" smtClean="0">
+              <a:solidFill>
+                <a:schemeClr val="accent1">
+                  <a:lumMod val="75000"/>
+                </a:schemeClr>
+              </a:solidFill>
+              <a:effectLst>
+                <a:outerShdw blurRad="31750" dist="25400" dir="5400000" algn="tl" rotWithShape="0">
+                  <a:srgbClr val="000000">
+                    <a:alpha val="25000"/>
+                  </a:srgbClr>
+                </a:outerShdw>
+              </a:effectLst>
+              <a:latin typeface="+mj-lt"/>
+              <a:ea typeface="+mj-ea"/>
+              <a:cs typeface="+mj-cs"/>
+            </a:endParaRPr>
+          </a:p>
+          <a:p>
+            <a:pPr>
+              <a:spcBef>
+                <a:spcPts val="600"/>
+              </a:spcBef>
+              <a:buFont typeface="Wingdings" pitchFamily="2" charset="2"/>
+              <a:buChar char="Ø"/>
+              <a:defRPr/>
+            </a:pPr>
+            <a:endParaRPr lang="es-ES" sz="2000" b="1" dirty="0" smtClean="0">
+              <a:solidFill>
+                <a:schemeClr val="accent1">
+                  <a:lumMod val="75000"/>
+                </a:schemeClr>
+              </a:solidFill>
+              <a:effectLst>
+                <a:outerShdw blurRad="31750" dist="25400" dir="5400000" algn="tl" rotWithShape="0">
+                  <a:srgbClr val="000000">
+                    <a:alpha val="25000"/>
+                  </a:srgbClr>
+                </a:outerShdw>
+              </a:effectLst>
+              <a:latin typeface="+mj-lt"/>
+              <a:ea typeface="+mj-ea"/>
+              <a:cs typeface="+mj-cs"/>
+            </a:endParaRPr>
+          </a:p>
+          <a:p>
+            <a:pPr>
+              <a:spcBef>
+                <a:spcPts val="600"/>
+              </a:spcBef>
+              <a:buFont typeface="Wingdings" pitchFamily="2" charset="2"/>
+              <a:buChar char="Ø"/>
+              <a:defRPr/>
+            </a:pPr>
+            <a:endParaRPr lang="es-ES" sz="2000" b="1" dirty="0" smtClean="0">
+              <a:solidFill>
+                <a:schemeClr val="accent1">
+                  <a:lumMod val="75000"/>
+                </a:schemeClr>
+              </a:solidFill>
+              <a:effectLst>
+                <a:outerShdw blurRad="31750" dist="25400" dir="5400000" algn="tl" rotWithShape="0">
+                  <a:srgbClr val="000000">
+                    <a:alpha val="25000"/>
+                  </a:srgbClr>
+                </a:outerShdw>
+              </a:effectLst>
+              <a:latin typeface="+mj-lt"/>
+              <a:ea typeface="+mj-ea"/>
+              <a:cs typeface="+mj-cs"/>
+            </a:endParaRPr>
+          </a:p>
+          <a:p>
+            <a:pPr>
+              <a:spcBef>
+                <a:spcPts val="600"/>
+              </a:spcBef>
+              <a:spcAft>
+                <a:spcPts val="1200"/>
+              </a:spcAft>
+              <a:buFont typeface="Wingdings" pitchFamily="2" charset="2"/>
+              <a:buChar char="Ø"/>
+              <a:defRPr/>
+            </a:pPr>
+            <a:endParaRPr lang="es-ES" sz="2000" b="1" dirty="0" smtClean="0">
+              <a:solidFill>
+                <a:schemeClr val="accent1">
+                  <a:lumMod val="75000"/>
+                </a:schemeClr>
+              </a:solidFill>
+              <a:effectLst>
+                <a:outerShdw blurRad="31750" dist="25400" dir="5400000" algn="tl" rotWithShape="0">
+                  <a:srgbClr val="000000">
+                    <a:alpha val="25000"/>
+                  </a:srgbClr>
+                </a:outerShdw>
+              </a:effectLst>
+              <a:latin typeface="+mj-lt"/>
+              <a:ea typeface="+mj-ea"/>
+              <a:cs typeface="+mj-cs"/>
+            </a:endParaRPr>
+          </a:p>
+          <a:p>
+            <a:pPr>
+              <a:spcBef>
+                <a:spcPts val="600"/>
+              </a:spcBef>
+              <a:buFont typeface="Wingdings" pitchFamily="2" charset="2"/>
+              <a:buChar char="Ø"/>
+              <a:defRPr/>
+            </a:pPr>
+            <a:endParaRPr lang="es-ES" sz="2000" b="1" dirty="0" smtClean="0">
+              <a:solidFill>
+                <a:schemeClr val="accent1">
+                  <a:lumMod val="75000"/>
+                </a:schemeClr>
+              </a:solidFill>
+              <a:effectLst>
+                <a:outerShdw blurRad="31750" dist="25400" dir="5400000" algn="tl" rotWithShape="0">
+                  <a:srgbClr val="000000">
+                    <a:alpha val="25000"/>
+                  </a:srgbClr>
+                </a:outerShdw>
+              </a:effectLst>
+              <a:latin typeface="+mj-lt"/>
+              <a:ea typeface="+mj-ea"/>
+              <a:cs typeface="+mj-cs"/>
+            </a:endParaRPr>
+          </a:p>
+          <a:p>
+            <a:pPr>
+              <a:spcBef>
+                <a:spcPts val="600"/>
+              </a:spcBef>
+              <a:buFont typeface="Wingdings" pitchFamily="2" charset="2"/>
+              <a:buChar char="Ø"/>
+              <a:defRPr/>
+            </a:pPr>
+            <a:endParaRPr lang="es-ES" sz="2000" b="1" dirty="0" smtClean="0">
+              <a:solidFill>
+                <a:schemeClr val="accent1">
+                  <a:lumMod val="75000"/>
+                </a:schemeClr>
+              </a:solidFill>
+              <a:effectLst>
+                <a:outerShdw blurRad="31750" dist="25400" dir="5400000" algn="tl" rotWithShape="0">
+                  <a:srgbClr val="000000">
+                    <a:alpha val="25000"/>
+                  </a:srgbClr>
+                </a:outerShdw>
+              </a:effectLst>
+              <a:latin typeface="+mj-lt"/>
+              <a:ea typeface="+mj-ea"/>
+              <a:cs typeface="+mj-cs"/>
+            </a:endParaRPr>
+          </a:p>
+          <a:p>
+            <a:pPr>
+              <a:spcBef>
+                <a:spcPts val="600"/>
+              </a:spcBef>
+              <a:buFont typeface="Wingdings" pitchFamily="2" charset="2"/>
+              <a:buChar char="Ø"/>
+              <a:defRPr/>
+            </a:pPr>
+            <a:endParaRPr lang="es-ES" sz="2000" b="1" dirty="0" smtClean="0">
+              <a:solidFill>
+                <a:schemeClr val="accent1">
+                  <a:lumMod val="75000"/>
+                </a:schemeClr>
+              </a:solidFill>
+              <a:effectLst>
+                <a:outerShdw blurRad="31750" dist="25400" dir="5400000" algn="tl" rotWithShape="0">
+                  <a:srgbClr val="000000">
+                    <a:alpha val="25000"/>
+                  </a:srgbClr>
+                </a:outerShdw>
+              </a:effectLst>
+              <a:latin typeface="+mj-lt"/>
+              <a:ea typeface="+mj-ea"/>
+              <a:cs typeface="+mj-cs"/>
+            </a:endParaRPr>
+          </a:p>
+          <a:p>
+            <a:pPr>
+              <a:spcBef>
+                <a:spcPts val="600"/>
+              </a:spcBef>
+              <a:spcAft>
+                <a:spcPts val="1200"/>
+              </a:spcAft>
+              <a:buFont typeface="Wingdings" pitchFamily="2" charset="2"/>
+              <a:buChar char="Ø"/>
+              <a:defRPr/>
+            </a:pPr>
+            <a:endParaRPr lang="es-ES" sz="2000" b="1" dirty="0" smtClean="0">
+              <a:solidFill>
+                <a:schemeClr val="accent1">
+                  <a:lumMod val="75000"/>
+                </a:schemeClr>
+              </a:solidFill>
+              <a:effectLst>
+                <a:outerShdw blurRad="31750" dist="25400" dir="5400000" algn="tl" rotWithShape="0">
+                  <a:srgbClr val="000000">
+                    <a:alpha val="25000"/>
+                  </a:srgbClr>
+                </a:outerShdw>
+              </a:effectLst>
+              <a:latin typeface="+mj-lt"/>
+              <a:ea typeface="+mj-ea"/>
+              <a:cs typeface="+mj-cs"/>
+            </a:endParaRPr>
+          </a:p>
+          <a:p>
+            <a:pPr lvl="0">
+              <a:spcBef>
+                <a:spcPts val="600"/>
+              </a:spcBef>
+              <a:buFont typeface="Wingdings" pitchFamily="2" charset="2"/>
+              <a:buChar char="Ø"/>
+              <a:defRPr/>
+            </a:pPr>
+            <a:endParaRPr lang="es-ES" sz="2000" b="1" dirty="0" smtClean="0">
+              <a:solidFill>
+                <a:schemeClr val="accent1">
+                  <a:lumMod val="75000"/>
+                </a:schemeClr>
+              </a:solidFill>
+              <a:effectLst>
+                <a:outerShdw blurRad="31750" dist="25400" dir="5400000" algn="tl" rotWithShape="0">
+                  <a:srgbClr val="000000">
+                    <a:alpha val="25000"/>
+                  </a:srgbClr>
+                </a:outerShdw>
+              </a:effectLst>
+              <a:latin typeface="+mj-lt"/>
+              <a:ea typeface="+mj-ea"/>
+              <a:cs typeface="+mj-cs"/>
+            </a:endParaRPr>
+          </a:p>
+          <a:p>
+            <a:pPr marL="0" marR="0" lvl="0" indent="0" algn="l" defTabSz="914400" rtl="0" eaLnBrk="1" fontAlgn="auto" latinLnBrk="0" hangingPunct="1">
+              <a:lnSpc>
+                <a:spcPct val="100000"/>
+              </a:lnSpc>
+              <a:spcBef>
+                <a:spcPts val="600"/>
+              </a:spcBef>
+              <a:spcAft>
+                <a:spcPts val="1200"/>
+              </a:spcAft>
+              <a:buClrTx/>
+              <a:buSzTx/>
+              <a:buFont typeface="Wingdings" pitchFamily="2" charset="2"/>
+              <a:buChar char="Ø"/>
+              <a:tabLst/>
+              <a:defRPr/>
+            </a:pPr>
+            <a:endParaRPr lang="es-ES" sz="2000" b="1" dirty="0" smtClean="0">
+              <a:solidFill>
+                <a:schemeClr val="accent1">
+                  <a:lumMod val="75000"/>
+                </a:schemeClr>
+              </a:solidFill>
+              <a:effectLst>
+                <a:outerShdw blurRad="31750" dist="25400" dir="5400000" algn="tl" rotWithShape="0">
+                  <a:srgbClr val="000000">
+                    <a:alpha val="25000"/>
+                  </a:srgbClr>
+                </a:outerShdw>
+              </a:effectLst>
+              <a:latin typeface="+mj-lt"/>
+              <a:ea typeface="+mj-ea"/>
+              <a:cs typeface="+mj-cs"/>
+            </a:endParaRPr>
+          </a:p>
+          <a:p>
+            <a:pPr marL="0" marR="0" lvl="0" indent="0" algn="l" defTabSz="914400" rtl="0" eaLnBrk="1" fontAlgn="auto" latinLnBrk="0" hangingPunct="1">
+              <a:lnSpc>
+                <a:spcPct val="100000"/>
+              </a:lnSpc>
+              <a:spcBef>
+                <a:spcPts val="600"/>
+              </a:spcBef>
+              <a:spcAft>
+                <a:spcPts val="1200"/>
+              </a:spcAft>
+              <a:buClrTx/>
+              <a:buSzTx/>
+              <a:buFont typeface="Wingdings" pitchFamily="2" charset="2"/>
+              <a:buChar char="Ø"/>
+              <a:tabLst/>
+              <a:defRPr/>
+            </a:pPr>
+            <a:endParaRPr lang="es-ES" sz="2000" b="1" dirty="0" smtClean="0">
+              <a:solidFill>
+                <a:schemeClr val="accent1">
+                  <a:lumMod val="75000"/>
+                </a:schemeClr>
+              </a:solidFill>
+              <a:effectLst>
+                <a:outerShdw blurRad="31750" dist="25400" dir="5400000" algn="tl" rotWithShape="0">
+                  <a:srgbClr val="000000">
+                    <a:alpha val="25000"/>
+                  </a:srgbClr>
+                </a:outerShdw>
+              </a:effectLst>
+              <a:latin typeface="+mj-lt"/>
+              <a:ea typeface="+mj-ea"/>
+              <a:cs typeface="+mj-cs"/>
+            </a:endParaRPr>
+          </a:p>
+          <a:p>
+            <a:pPr marL="0" marR="0" lvl="0" indent="0" algn="l" defTabSz="914400" rtl="0" eaLnBrk="1" fontAlgn="auto" latinLnBrk="0" hangingPunct="1">
+              <a:lnSpc>
+                <a:spcPct val="100000"/>
+              </a:lnSpc>
+              <a:spcBef>
+                <a:spcPts val="600"/>
+              </a:spcBef>
+              <a:spcAft>
+                <a:spcPts val="1200"/>
+              </a:spcAft>
+              <a:buClrTx/>
+              <a:buSzTx/>
+              <a:buFontTx/>
+              <a:buNone/>
+              <a:tabLst/>
+              <a:defRPr/>
+            </a:pPr>
+            <a:endParaRPr kumimoji="0" lang="es-ES" sz="2000" b="1" i="0" u="none" strike="noStrike" kern="1200" cap="none" spc="0" normalizeH="0" baseline="0" noProof="0" dirty="0">
+              <a:ln>
+                <a:noFill/>
+              </a:ln>
+              <a:solidFill>
+                <a:schemeClr val="accent1">
+                  <a:lumMod val="75000"/>
+                </a:schemeClr>
+              </a:solidFill>
+              <a:effectLst>
+                <a:outerShdw blurRad="31750" dist="25400" dir="5400000" algn="tl" rotWithShape="0">
+                  <a:srgbClr val="000000">
+                    <a:alpha val="25000"/>
+                  </a:srgbClr>
+                </a:outerShdw>
+              </a:effectLst>
+              <a:uLnTx/>
+              <a:uFillTx/>
+              <a:latin typeface="+mj-lt"/>
+              <a:ea typeface="+mj-ea"/>
+              <a:cs typeface="+mj-cs"/>
+            </a:endParaRPr>
+          </a:p>
+        </p:txBody>
+      </p:sp>
+    </p:spTree>
+  </p:cSld>
+  <p:clrMapOvr>
+    <a:masterClrMapping/>
+  </p:clrMapOvr>
+  <p:timing>
+    <p:tnLst>
+      <p:par>
+        <p:cTn id="1" dur="indefinite" restart="never" nodeType="tmRoot"/>
+      </p:par>
+    </p:tnLst>
+  </p:timing>
+</p:sld>
+</file>
+
+<file path=ppt/slides/slide33.xml><?xml version="1.0" encoding="utf-8"?>
+<p:sld xmlns:a="http://schemas.openxmlformats.org/drawingml/2006/main" xmlns:r="http://schemas.openxmlformats.org/officeDocument/2006/relationships" xmlns:p="http://schemas.openxmlformats.org/presentationml/2006/main">
+  <p:cSld>
+    <p:spTree>
+      <p:nvGrpSpPr>
+        <p:cNvPr id="1" name=""/>
+        <p:cNvGrpSpPr/>
+        <p:nvPr/>
+      </p:nvGrpSpPr>
+      <p:grpSpPr>
+        <a:xfrm>
+          <a:off x="0" y="0"/>
+          <a:ext cx="0" cy="0"/>
+          <a:chOff x="0" y="0"/>
+          <a:chExt cx="0" cy="0"/>
+        </a:xfrm>
+      </p:grpSpPr>
+      <p:sp>
+        <p:nvSpPr>
+          <p:cNvPr id="2" name="1 Título"/>
+          <p:cNvSpPr>
+            <a:spLocks noGrp="1"/>
+          </p:cNvSpPr>
+          <p:nvPr>
+            <p:ph type="title"/>
+          </p:nvPr>
+        </p:nvSpPr>
+        <p:spPr>
+          <a:xfrm>
+            <a:off x="467544" y="123478"/>
+            <a:ext cx="8136904" cy="857250"/>
+          </a:xfrm>
+        </p:spPr>
+        <p:txBody>
+          <a:bodyPr>
+            <a:normAutofit/>
+          </a:bodyPr>
+          <a:lstStyle/>
+          <a:p>
+            <a:r>
+              <a:rPr lang="es-ES" dirty="0" smtClean="0"/>
+              <a:t>Ejemplo </a:t>
+            </a:r>
+            <a:r>
+              <a:rPr lang="es-ES" dirty="0" err="1" smtClean="0"/>
+              <a:t>testing</a:t>
+            </a:r>
+            <a:r>
+              <a:rPr lang="es-ES" dirty="0" smtClean="0"/>
+              <a:t> de un </a:t>
+            </a:r>
+            <a:r>
+              <a:rPr lang="es-ES" dirty="0" err="1" smtClean="0"/>
+              <a:t>service</a:t>
+            </a:r>
+            <a:endParaRPr lang="es-ES" dirty="0"/>
+          </a:p>
+        </p:txBody>
+      </p:sp>
+      <p:sp>
+        <p:nvSpPr>
+          <p:cNvPr id="4" name="3 Rectángulo"/>
+          <p:cNvSpPr/>
+          <p:nvPr/>
+        </p:nvSpPr>
+        <p:spPr>
+          <a:xfrm>
+            <a:off x="1907704" y="915566"/>
+            <a:ext cx="4320480" cy="3016210"/>
+          </a:xfrm>
+          <a:prstGeom prst="rect">
+            <a:avLst/>
+          </a:prstGeom>
+          <a:solidFill>
+            <a:schemeClr val="bg1">
+              <a:lumMod val="95000"/>
+            </a:schemeClr>
+          </a:solidFill>
+        </p:spPr>
+        <p:txBody>
+          <a:bodyPr wrap="square">
+            <a:spAutoFit/>
+          </a:bodyPr>
+          <a:lstStyle/>
+          <a:p>
+            <a:r>
+              <a:rPr lang="es-ES" sz="1000" dirty="0" smtClean="0">
+                <a:latin typeface="Consolas" pitchFamily="49" charset="0"/>
+              </a:rPr>
+              <a:t>describe('</a:t>
+            </a:r>
+            <a:r>
+              <a:rPr lang="es-ES" sz="1000" dirty="0" err="1" smtClean="0">
+                <a:latin typeface="Consolas" pitchFamily="49" charset="0"/>
+              </a:rPr>
+              <a:t>CalculadoraService</a:t>
+            </a:r>
+            <a:r>
+              <a:rPr lang="es-ES" sz="1000" dirty="0" smtClean="0">
+                <a:latin typeface="Consolas" pitchFamily="49" charset="0"/>
+              </a:rPr>
+              <a:t>', () =&gt; {</a:t>
+            </a:r>
+          </a:p>
+          <a:p>
+            <a:r>
+              <a:rPr lang="es-ES" sz="1000" dirty="0" smtClean="0">
+                <a:latin typeface="Consolas" pitchFamily="49" charset="0"/>
+              </a:rPr>
+              <a:t>  </a:t>
+            </a:r>
+            <a:r>
+              <a:rPr lang="es-ES" sz="1000" dirty="0" err="1" smtClean="0">
+                <a:latin typeface="Consolas" pitchFamily="49" charset="0"/>
+              </a:rPr>
+              <a:t>let</a:t>
+            </a:r>
+            <a:r>
+              <a:rPr lang="es-ES" sz="1000" dirty="0" smtClean="0">
+                <a:latin typeface="Consolas" pitchFamily="49" charset="0"/>
+              </a:rPr>
+              <a:t> </a:t>
+            </a:r>
+            <a:r>
+              <a:rPr lang="es-ES" sz="1000" dirty="0" err="1" smtClean="0">
+                <a:latin typeface="Consolas" pitchFamily="49" charset="0"/>
+              </a:rPr>
+              <a:t>service</a:t>
+            </a:r>
+            <a:r>
+              <a:rPr lang="es-ES" sz="1000" dirty="0" smtClean="0">
+                <a:latin typeface="Consolas" pitchFamily="49" charset="0"/>
+              </a:rPr>
+              <a:t>: </a:t>
+            </a:r>
+            <a:r>
+              <a:rPr lang="es-ES" sz="1000" dirty="0" err="1" smtClean="0">
+                <a:latin typeface="Consolas" pitchFamily="49" charset="0"/>
+              </a:rPr>
+              <a:t>CalculadoraService</a:t>
+            </a:r>
+            <a:r>
+              <a:rPr lang="es-ES" sz="1000" dirty="0" smtClean="0">
+                <a:latin typeface="Consolas" pitchFamily="49" charset="0"/>
+              </a:rPr>
+              <a:t>;</a:t>
+            </a:r>
+            <a:r>
+              <a:rPr lang="es-ES" sz="1000" dirty="0" smtClean="0">
+                <a:latin typeface="Consolas" pitchFamily="49" charset="0"/>
+              </a:rPr>
+              <a:t/>
+            </a:r>
+            <a:br>
+              <a:rPr lang="es-ES" sz="1000" dirty="0" smtClean="0">
+                <a:latin typeface="Consolas" pitchFamily="49" charset="0"/>
+              </a:rPr>
+            </a:br>
+            <a:r>
+              <a:rPr lang="es-ES" sz="1000" dirty="0" smtClean="0">
+                <a:latin typeface="Consolas" pitchFamily="49" charset="0"/>
+              </a:rPr>
+              <a:t>  </a:t>
+            </a:r>
+            <a:r>
+              <a:rPr lang="es-ES" sz="1000" dirty="0" err="1" smtClean="0">
+                <a:latin typeface="Consolas" pitchFamily="49" charset="0"/>
+              </a:rPr>
+              <a:t>beforeEach</a:t>
+            </a:r>
+            <a:r>
+              <a:rPr lang="es-ES" sz="1000" dirty="0" smtClean="0">
+                <a:latin typeface="Consolas" pitchFamily="49" charset="0"/>
+              </a:rPr>
+              <a:t>(() =&gt; {</a:t>
+            </a:r>
+          </a:p>
+          <a:p>
+            <a:r>
+              <a:rPr lang="es-ES" sz="1000" dirty="0" smtClean="0">
+                <a:latin typeface="Consolas" pitchFamily="49" charset="0"/>
+              </a:rPr>
+              <a:t>    </a:t>
+            </a:r>
+            <a:r>
+              <a:rPr lang="es-ES" sz="1000" dirty="0" err="1" smtClean="0">
+                <a:latin typeface="Consolas" pitchFamily="49" charset="0"/>
+              </a:rPr>
+              <a:t>TestBed.configureTestingModule</a:t>
+            </a:r>
+            <a:r>
+              <a:rPr lang="es-ES" sz="1000" dirty="0" smtClean="0">
+                <a:latin typeface="Consolas" pitchFamily="49" charset="0"/>
+              </a:rPr>
+              <a:t>({});</a:t>
+            </a:r>
+          </a:p>
+          <a:p>
+            <a:r>
+              <a:rPr lang="es-ES" sz="1000" dirty="0" smtClean="0">
+                <a:latin typeface="Consolas" pitchFamily="49" charset="0"/>
+              </a:rPr>
+              <a:t>    </a:t>
+            </a:r>
+            <a:r>
+              <a:rPr lang="es-ES" sz="1000" dirty="0" err="1" smtClean="0">
+                <a:latin typeface="Consolas" pitchFamily="49" charset="0"/>
+              </a:rPr>
+              <a:t>service</a:t>
+            </a:r>
+            <a:r>
+              <a:rPr lang="es-ES" sz="1000" dirty="0" smtClean="0">
+                <a:latin typeface="Consolas" pitchFamily="49" charset="0"/>
+              </a:rPr>
+              <a:t> = </a:t>
+            </a:r>
+            <a:r>
+              <a:rPr lang="es-ES" sz="1000" dirty="0" err="1" smtClean="0">
+                <a:latin typeface="Consolas" pitchFamily="49" charset="0"/>
+              </a:rPr>
+              <a:t>TestBed.inject</a:t>
+            </a:r>
+            <a:r>
+              <a:rPr lang="es-ES" sz="1000" dirty="0" smtClean="0">
+                <a:latin typeface="Consolas" pitchFamily="49" charset="0"/>
+              </a:rPr>
+              <a:t>(</a:t>
+            </a:r>
+            <a:r>
+              <a:rPr lang="es-ES" sz="1000" dirty="0" err="1" smtClean="0">
+                <a:latin typeface="Consolas" pitchFamily="49" charset="0"/>
+              </a:rPr>
+              <a:t>CalculadoraService</a:t>
+            </a:r>
+            <a:r>
+              <a:rPr lang="es-ES" sz="1000" dirty="0" smtClean="0">
+                <a:latin typeface="Consolas" pitchFamily="49" charset="0"/>
+              </a:rPr>
+              <a:t>);</a:t>
+            </a:r>
+          </a:p>
+          <a:p>
+            <a:r>
+              <a:rPr lang="es-ES" sz="1000" dirty="0" smtClean="0">
+                <a:latin typeface="Consolas" pitchFamily="49" charset="0"/>
+              </a:rPr>
+              <a:t>  });</a:t>
+            </a:r>
+          </a:p>
+          <a:p>
+            <a:r>
+              <a:rPr lang="es-ES" sz="1000" dirty="0" smtClean="0">
+                <a:latin typeface="Consolas" pitchFamily="49" charset="0"/>
+              </a:rPr>
+              <a:t>  </a:t>
+            </a:r>
+            <a:r>
+              <a:rPr lang="es-ES" sz="1000" dirty="0" err="1" smtClean="0">
+                <a:latin typeface="Consolas" pitchFamily="49" charset="0"/>
+              </a:rPr>
+              <a:t>it</a:t>
+            </a:r>
+            <a:r>
+              <a:rPr lang="es-ES" sz="1000" dirty="0" smtClean="0">
+                <a:latin typeface="Consolas" pitchFamily="49" charset="0"/>
+              </a:rPr>
+              <a:t>("suma de 5 y 6",()=&gt;{</a:t>
+            </a:r>
+          </a:p>
+          <a:p>
+            <a:r>
+              <a:rPr lang="es-ES" sz="1000" dirty="0" smtClean="0">
+                <a:latin typeface="Consolas" pitchFamily="49" charset="0"/>
+              </a:rPr>
+              <a:t>    </a:t>
+            </a:r>
+            <a:r>
+              <a:rPr lang="es-ES" sz="1000" dirty="0" err="1" smtClean="0">
+                <a:latin typeface="Consolas" pitchFamily="49" charset="0"/>
+              </a:rPr>
+              <a:t>expect</a:t>
+            </a:r>
+            <a:r>
+              <a:rPr lang="es-ES" sz="1000" dirty="0" smtClean="0">
+                <a:latin typeface="Consolas" pitchFamily="49" charset="0"/>
+              </a:rPr>
+              <a:t>(</a:t>
+            </a:r>
+            <a:r>
+              <a:rPr lang="es-ES" sz="1000" dirty="0" err="1" smtClean="0">
+                <a:latin typeface="Consolas" pitchFamily="49" charset="0"/>
+              </a:rPr>
+              <a:t>service.sumar</a:t>
+            </a:r>
+            <a:r>
+              <a:rPr lang="es-ES" sz="1000" dirty="0" smtClean="0">
+                <a:latin typeface="Consolas" pitchFamily="49" charset="0"/>
+              </a:rPr>
+              <a:t>(5,6)).</a:t>
+            </a:r>
+            <a:r>
+              <a:rPr lang="es-ES" sz="1000" dirty="0" err="1" smtClean="0">
+                <a:latin typeface="Consolas" pitchFamily="49" charset="0"/>
+              </a:rPr>
+              <a:t>toBe</a:t>
+            </a:r>
+            <a:r>
+              <a:rPr lang="es-ES" sz="1000" dirty="0" smtClean="0">
+                <a:latin typeface="Consolas" pitchFamily="49" charset="0"/>
+              </a:rPr>
+              <a:t>(11);</a:t>
+            </a:r>
+          </a:p>
+          <a:p>
+            <a:r>
+              <a:rPr lang="es-ES" sz="1000" dirty="0" smtClean="0">
+                <a:latin typeface="Consolas" pitchFamily="49" charset="0"/>
+              </a:rPr>
+              <a:t>  })</a:t>
+            </a:r>
+          </a:p>
+          <a:p>
+            <a:r>
+              <a:rPr lang="es-ES" sz="1000" dirty="0" smtClean="0">
+                <a:latin typeface="Consolas" pitchFamily="49" charset="0"/>
+              </a:rPr>
+              <a:t>  </a:t>
+            </a:r>
+            <a:r>
+              <a:rPr lang="es-ES" sz="1000" dirty="0" err="1" smtClean="0">
+                <a:latin typeface="Consolas" pitchFamily="49" charset="0"/>
+              </a:rPr>
+              <a:t>it</a:t>
+            </a:r>
+            <a:r>
+              <a:rPr lang="es-ES" sz="1000" dirty="0" smtClean="0">
+                <a:latin typeface="Consolas" pitchFamily="49" charset="0"/>
+              </a:rPr>
+              <a:t>("</a:t>
+            </a:r>
+            <a:r>
+              <a:rPr lang="es-ES" sz="1000" dirty="0" err="1" smtClean="0">
+                <a:latin typeface="Consolas" pitchFamily="49" charset="0"/>
+              </a:rPr>
+              <a:t>multiplicacion</a:t>
+            </a:r>
+            <a:r>
+              <a:rPr lang="es-ES" sz="1000" dirty="0" smtClean="0">
+                <a:latin typeface="Consolas" pitchFamily="49" charset="0"/>
+              </a:rPr>
+              <a:t> de 7 y 4",()=&gt;{</a:t>
+            </a:r>
+          </a:p>
+          <a:p>
+            <a:r>
+              <a:rPr lang="es-ES" sz="1000" dirty="0" smtClean="0">
+                <a:latin typeface="Consolas" pitchFamily="49" charset="0"/>
+              </a:rPr>
+              <a:t>    </a:t>
+            </a:r>
+            <a:r>
+              <a:rPr lang="es-ES" sz="1000" dirty="0" err="1" smtClean="0">
+                <a:latin typeface="Consolas" pitchFamily="49" charset="0"/>
+              </a:rPr>
+              <a:t>expect</a:t>
+            </a:r>
+            <a:r>
+              <a:rPr lang="es-ES" sz="1000" dirty="0" smtClean="0">
+                <a:latin typeface="Consolas" pitchFamily="49" charset="0"/>
+              </a:rPr>
+              <a:t>(</a:t>
+            </a:r>
+            <a:r>
+              <a:rPr lang="es-ES" sz="1000" dirty="0" err="1" smtClean="0">
+                <a:latin typeface="Consolas" pitchFamily="49" charset="0"/>
+              </a:rPr>
+              <a:t>service.multiplicar</a:t>
+            </a:r>
+            <a:r>
+              <a:rPr lang="es-ES" sz="1000" dirty="0" smtClean="0">
+                <a:latin typeface="Consolas" pitchFamily="49" charset="0"/>
+              </a:rPr>
+              <a:t>(7,4)).</a:t>
+            </a:r>
+            <a:r>
+              <a:rPr lang="es-ES" sz="1000" dirty="0" err="1" smtClean="0">
+                <a:latin typeface="Consolas" pitchFamily="49" charset="0"/>
+              </a:rPr>
+              <a:t>toBe</a:t>
+            </a:r>
+            <a:r>
+              <a:rPr lang="es-ES" sz="1000" dirty="0" smtClean="0">
+                <a:latin typeface="Consolas" pitchFamily="49" charset="0"/>
+              </a:rPr>
+              <a:t>(28);</a:t>
+            </a:r>
+          </a:p>
+          <a:p>
+            <a:r>
+              <a:rPr lang="es-ES" sz="1000" dirty="0" smtClean="0">
+                <a:latin typeface="Consolas" pitchFamily="49" charset="0"/>
+              </a:rPr>
+              <a:t>  })</a:t>
+            </a:r>
+          </a:p>
+          <a:p>
+            <a:r>
+              <a:rPr lang="es-ES" sz="1000" dirty="0" smtClean="0">
+                <a:latin typeface="Consolas" pitchFamily="49" charset="0"/>
+              </a:rPr>
+              <a:t>  </a:t>
+            </a:r>
+            <a:r>
+              <a:rPr lang="es-ES" sz="1000" dirty="0" err="1" smtClean="0">
+                <a:latin typeface="Consolas" pitchFamily="49" charset="0"/>
+              </a:rPr>
+              <a:t>it</a:t>
+            </a:r>
+            <a:r>
+              <a:rPr lang="es-ES" sz="1000" dirty="0" smtClean="0">
+                <a:latin typeface="Consolas" pitchFamily="49" charset="0"/>
+              </a:rPr>
+              <a:t>("factorial de 5",()=&gt;{</a:t>
+            </a:r>
+          </a:p>
+          <a:p>
+            <a:r>
+              <a:rPr lang="es-ES" sz="1000" dirty="0" smtClean="0">
+                <a:latin typeface="Consolas" pitchFamily="49" charset="0"/>
+              </a:rPr>
+              <a:t>    </a:t>
+            </a:r>
+            <a:r>
+              <a:rPr lang="es-ES" sz="1000" dirty="0" err="1" smtClean="0">
+                <a:latin typeface="Consolas" pitchFamily="49" charset="0"/>
+              </a:rPr>
+              <a:t>expect</a:t>
+            </a:r>
+            <a:r>
+              <a:rPr lang="es-ES" sz="1000" dirty="0" smtClean="0">
+                <a:latin typeface="Consolas" pitchFamily="49" charset="0"/>
+              </a:rPr>
+              <a:t>(</a:t>
+            </a:r>
+            <a:r>
+              <a:rPr lang="es-ES" sz="1000" dirty="0" err="1" smtClean="0">
+                <a:latin typeface="Consolas" pitchFamily="49" charset="0"/>
+              </a:rPr>
+              <a:t>service.factorial</a:t>
+            </a:r>
+            <a:r>
+              <a:rPr lang="es-ES" sz="1000" dirty="0" smtClean="0">
+                <a:latin typeface="Consolas" pitchFamily="49" charset="0"/>
+              </a:rPr>
+              <a:t>(5)).</a:t>
+            </a:r>
+            <a:r>
+              <a:rPr lang="es-ES" sz="1000" dirty="0" err="1" smtClean="0">
+                <a:latin typeface="Consolas" pitchFamily="49" charset="0"/>
+              </a:rPr>
+              <a:t>toBe</a:t>
+            </a:r>
+            <a:r>
+              <a:rPr lang="es-ES" sz="1000" dirty="0" smtClean="0">
+                <a:latin typeface="Consolas" pitchFamily="49" charset="0"/>
+              </a:rPr>
+              <a:t>(120);</a:t>
+            </a:r>
+          </a:p>
+          <a:p>
+            <a:r>
+              <a:rPr lang="es-ES" sz="1000" dirty="0" smtClean="0">
+                <a:latin typeface="Consolas" pitchFamily="49" charset="0"/>
+              </a:rPr>
+              <a:t>  })</a:t>
+            </a:r>
+          </a:p>
+          <a:p>
+            <a:r>
+              <a:rPr lang="es-ES" sz="1000" dirty="0" smtClean="0">
+                <a:latin typeface="Consolas" pitchFamily="49" charset="0"/>
+              </a:rPr>
+              <a:t>  </a:t>
+            </a:r>
+            <a:r>
+              <a:rPr lang="es-ES" sz="1000" dirty="0" err="1" smtClean="0">
+                <a:latin typeface="Consolas" pitchFamily="49" charset="0"/>
+              </a:rPr>
+              <a:t>it</a:t>
+            </a:r>
+            <a:r>
+              <a:rPr lang="es-ES" sz="1000" dirty="0" smtClean="0">
+                <a:latin typeface="Consolas" pitchFamily="49" charset="0"/>
+              </a:rPr>
+              <a:t>("factorial de -3",()=&gt;{</a:t>
+            </a:r>
+          </a:p>
+          <a:p>
+            <a:r>
+              <a:rPr lang="es-ES" sz="1000" dirty="0" smtClean="0">
+                <a:latin typeface="Consolas" pitchFamily="49" charset="0"/>
+              </a:rPr>
+              <a:t>    </a:t>
+            </a:r>
+            <a:r>
+              <a:rPr lang="es-ES" sz="1000" dirty="0" err="1" smtClean="0">
+                <a:latin typeface="Consolas" pitchFamily="49" charset="0"/>
+              </a:rPr>
+              <a:t>expect</a:t>
+            </a:r>
+            <a:r>
+              <a:rPr lang="es-ES" sz="1000" dirty="0" smtClean="0">
+                <a:latin typeface="Consolas" pitchFamily="49" charset="0"/>
+              </a:rPr>
+              <a:t>(</a:t>
+            </a:r>
+            <a:r>
+              <a:rPr lang="es-ES" sz="1000" dirty="0" err="1" smtClean="0">
+                <a:latin typeface="Consolas" pitchFamily="49" charset="0"/>
+              </a:rPr>
+              <a:t>service.factorial</a:t>
+            </a:r>
+            <a:r>
+              <a:rPr lang="es-ES" sz="1000" dirty="0" smtClean="0">
+                <a:latin typeface="Consolas" pitchFamily="49" charset="0"/>
+              </a:rPr>
+              <a:t>(-3)).</a:t>
+            </a:r>
+            <a:r>
+              <a:rPr lang="es-ES" sz="1000" dirty="0" err="1" smtClean="0">
+                <a:latin typeface="Consolas" pitchFamily="49" charset="0"/>
+              </a:rPr>
+              <a:t>toBe</a:t>
+            </a:r>
+            <a:r>
+              <a:rPr lang="es-ES" sz="1000" dirty="0" smtClean="0">
+                <a:latin typeface="Consolas" pitchFamily="49" charset="0"/>
+              </a:rPr>
+              <a:t>(0);</a:t>
+            </a:r>
+          </a:p>
+          <a:p>
+            <a:r>
+              <a:rPr lang="es-ES" sz="1000" dirty="0" smtClean="0">
+                <a:latin typeface="Consolas" pitchFamily="49" charset="0"/>
+              </a:rPr>
+              <a:t>  })</a:t>
+            </a:r>
+          </a:p>
+          <a:p>
+            <a:r>
+              <a:rPr lang="es-ES" sz="1000" dirty="0" smtClean="0">
+                <a:latin typeface="Consolas" pitchFamily="49" charset="0"/>
+              </a:rPr>
+              <a:t>});</a:t>
+            </a:r>
+            <a:endParaRPr lang="es-ES" sz="1000" dirty="0">
+              <a:latin typeface="Consolas" pitchFamily="49" charset="0"/>
+            </a:endParaRPr>
+          </a:p>
+        </p:txBody>
+      </p:sp>
+      <p:sp>
+        <p:nvSpPr>
+          <p:cNvPr id="5" name="1 Título"/>
+          <p:cNvSpPr txBox="1">
+            <a:spLocks/>
+          </p:cNvSpPr>
+          <p:nvPr/>
+        </p:nvSpPr>
+        <p:spPr>
+          <a:xfrm>
+            <a:off x="467544" y="4155926"/>
+            <a:ext cx="7560840" cy="864096"/>
+          </a:xfrm>
+          <a:prstGeom prst="rect">
+            <a:avLst/>
+          </a:prstGeom>
+        </p:spPr>
+        <p:txBody>
+          <a:bodyPr/>
+          <a:lstStyle/>
+          <a:p>
+            <a:pPr>
+              <a:spcBef>
+                <a:spcPts val="600"/>
+              </a:spcBef>
+              <a:spcAft>
+                <a:spcPts val="1200"/>
+              </a:spcAft>
+              <a:buFont typeface="Wingdings" pitchFamily="2" charset="2"/>
+              <a:buChar char="Ø"/>
+              <a:defRPr/>
+            </a:pPr>
+            <a:r>
+              <a:rPr lang="es-ES" sz="2000" b="1" dirty="0" smtClean="0">
+                <a:solidFill>
+                  <a:schemeClr val="accent1">
+                    <a:lumMod val="75000"/>
+                  </a:schemeClr>
+                </a:solidFill>
+                <a:effectLst>
+                  <a:outerShdw blurRad="31750" dist="25400" dir="5400000" algn="tl" rotWithShape="0">
+                    <a:srgbClr val="000000">
+                      <a:alpha val="25000"/>
+                    </a:srgbClr>
+                  </a:outerShdw>
+                </a:effectLst>
+                <a:latin typeface="+mj-lt"/>
+                <a:ea typeface="+mj-ea"/>
+                <a:cs typeface="+mj-cs"/>
+              </a:rPr>
+              <a:t>Para ejecutar las pruebas:</a:t>
+            </a:r>
+            <a:endParaRPr lang="es-ES" sz="2000" b="1" dirty="0" smtClean="0">
+              <a:solidFill>
+                <a:schemeClr val="accent1">
+                  <a:lumMod val="75000"/>
+                </a:schemeClr>
+              </a:solidFill>
+              <a:effectLst>
+                <a:outerShdw blurRad="31750" dist="25400" dir="5400000" algn="tl" rotWithShape="0">
+                  <a:srgbClr val="000000">
+                    <a:alpha val="25000"/>
+                  </a:srgbClr>
+                </a:outerShdw>
+              </a:effectLst>
+              <a:latin typeface="+mj-lt"/>
+              <a:ea typeface="+mj-ea"/>
+              <a:cs typeface="+mj-cs"/>
+            </a:endParaRPr>
+          </a:p>
+          <a:p>
+            <a:pPr>
+              <a:spcBef>
+                <a:spcPts val="600"/>
+              </a:spcBef>
+              <a:buFont typeface="Wingdings" pitchFamily="2" charset="2"/>
+              <a:buChar char="Ø"/>
+              <a:defRPr/>
+            </a:pPr>
+            <a:endParaRPr lang="es-ES" sz="2000" b="1" dirty="0" smtClean="0">
+              <a:solidFill>
+                <a:schemeClr val="accent1">
+                  <a:lumMod val="75000"/>
+                </a:schemeClr>
+              </a:solidFill>
+              <a:effectLst>
+                <a:outerShdw blurRad="31750" dist="25400" dir="5400000" algn="tl" rotWithShape="0">
+                  <a:srgbClr val="000000">
+                    <a:alpha val="25000"/>
+                  </a:srgbClr>
+                </a:outerShdw>
+              </a:effectLst>
+              <a:latin typeface="+mj-lt"/>
+              <a:ea typeface="+mj-ea"/>
+              <a:cs typeface="+mj-cs"/>
+            </a:endParaRPr>
+          </a:p>
+          <a:p>
+            <a:pPr>
+              <a:spcBef>
+                <a:spcPts val="600"/>
+              </a:spcBef>
+              <a:buFont typeface="Wingdings" pitchFamily="2" charset="2"/>
+              <a:buChar char="Ø"/>
+              <a:defRPr/>
+            </a:pPr>
+            <a:endParaRPr lang="es-ES" sz="2000" b="1" dirty="0" smtClean="0">
+              <a:solidFill>
+                <a:schemeClr val="accent1">
+                  <a:lumMod val="75000"/>
+                </a:schemeClr>
+              </a:solidFill>
+              <a:effectLst>
+                <a:outerShdw blurRad="31750" dist="25400" dir="5400000" algn="tl" rotWithShape="0">
+                  <a:srgbClr val="000000">
+                    <a:alpha val="25000"/>
+                  </a:srgbClr>
+                </a:outerShdw>
+              </a:effectLst>
+              <a:latin typeface="+mj-lt"/>
+              <a:ea typeface="+mj-ea"/>
+              <a:cs typeface="+mj-cs"/>
+            </a:endParaRPr>
+          </a:p>
+          <a:p>
+            <a:pPr>
+              <a:spcBef>
+                <a:spcPts val="600"/>
+              </a:spcBef>
+              <a:buFont typeface="Wingdings" pitchFamily="2" charset="2"/>
+              <a:buChar char="Ø"/>
+              <a:defRPr/>
+            </a:pPr>
+            <a:endParaRPr lang="es-ES" sz="2000" b="1" dirty="0" smtClean="0">
+              <a:solidFill>
+                <a:schemeClr val="accent1">
+                  <a:lumMod val="75000"/>
+                </a:schemeClr>
+              </a:solidFill>
+              <a:effectLst>
+                <a:outerShdw blurRad="31750" dist="25400" dir="5400000" algn="tl" rotWithShape="0">
+                  <a:srgbClr val="000000">
+                    <a:alpha val="25000"/>
+                  </a:srgbClr>
+                </a:outerShdw>
+              </a:effectLst>
+              <a:latin typeface="+mj-lt"/>
+              <a:ea typeface="+mj-ea"/>
+              <a:cs typeface="+mj-cs"/>
+            </a:endParaRPr>
+          </a:p>
+          <a:p>
+            <a:pPr>
+              <a:spcBef>
+                <a:spcPts val="600"/>
+              </a:spcBef>
+              <a:buFont typeface="Wingdings" pitchFamily="2" charset="2"/>
+              <a:buChar char="Ø"/>
+              <a:defRPr/>
+            </a:pPr>
+            <a:endParaRPr lang="es-ES" sz="2000" b="1" dirty="0" smtClean="0">
+              <a:solidFill>
+                <a:schemeClr val="accent1">
+                  <a:lumMod val="75000"/>
+                </a:schemeClr>
+              </a:solidFill>
+              <a:effectLst>
+                <a:outerShdw blurRad="31750" dist="25400" dir="5400000" algn="tl" rotWithShape="0">
+                  <a:srgbClr val="000000">
+                    <a:alpha val="25000"/>
+                  </a:srgbClr>
+                </a:outerShdw>
+              </a:effectLst>
+              <a:latin typeface="+mj-lt"/>
+              <a:ea typeface="+mj-ea"/>
+              <a:cs typeface="+mj-cs"/>
+            </a:endParaRPr>
+          </a:p>
+          <a:p>
+            <a:pPr>
+              <a:spcBef>
+                <a:spcPts val="600"/>
+              </a:spcBef>
+              <a:buFont typeface="Wingdings" pitchFamily="2" charset="2"/>
+              <a:buChar char="Ø"/>
+              <a:defRPr/>
+            </a:pPr>
+            <a:endParaRPr lang="es-ES" sz="2000" b="1" dirty="0" smtClean="0">
+              <a:solidFill>
+                <a:schemeClr val="accent1">
+                  <a:lumMod val="75000"/>
+                </a:schemeClr>
+              </a:solidFill>
+              <a:effectLst>
+                <a:outerShdw blurRad="31750" dist="25400" dir="5400000" algn="tl" rotWithShape="0">
+                  <a:srgbClr val="000000">
+                    <a:alpha val="25000"/>
+                  </a:srgbClr>
+                </a:outerShdw>
+              </a:effectLst>
+              <a:latin typeface="+mj-lt"/>
+              <a:ea typeface="+mj-ea"/>
+              <a:cs typeface="+mj-cs"/>
+            </a:endParaRPr>
+          </a:p>
+          <a:p>
+            <a:pPr>
+              <a:spcBef>
+                <a:spcPts val="600"/>
+              </a:spcBef>
+              <a:buFont typeface="Wingdings" pitchFamily="2" charset="2"/>
+              <a:buChar char="Ø"/>
+              <a:defRPr/>
+            </a:pPr>
+            <a:endParaRPr lang="es-ES" sz="2000" b="1" dirty="0" smtClean="0">
+              <a:solidFill>
+                <a:schemeClr val="accent1">
+                  <a:lumMod val="75000"/>
+                </a:schemeClr>
+              </a:solidFill>
+              <a:effectLst>
+                <a:outerShdw blurRad="31750" dist="25400" dir="5400000" algn="tl" rotWithShape="0">
+                  <a:srgbClr val="000000">
+                    <a:alpha val="25000"/>
+                  </a:srgbClr>
+                </a:outerShdw>
+              </a:effectLst>
+              <a:latin typeface="+mj-lt"/>
+              <a:ea typeface="+mj-ea"/>
+              <a:cs typeface="+mj-cs"/>
+            </a:endParaRPr>
+          </a:p>
+          <a:p>
+            <a:pPr>
+              <a:spcBef>
+                <a:spcPts val="600"/>
+              </a:spcBef>
+              <a:spcAft>
+                <a:spcPts val="1200"/>
+              </a:spcAft>
+              <a:buFont typeface="Wingdings" pitchFamily="2" charset="2"/>
+              <a:buChar char="Ø"/>
+              <a:defRPr/>
+            </a:pPr>
+            <a:endParaRPr lang="es-ES" sz="2000" b="1" dirty="0" smtClean="0">
+              <a:solidFill>
+                <a:schemeClr val="accent1">
+                  <a:lumMod val="75000"/>
+                </a:schemeClr>
+              </a:solidFill>
+              <a:effectLst>
+                <a:outerShdw blurRad="31750" dist="25400" dir="5400000" algn="tl" rotWithShape="0">
+                  <a:srgbClr val="000000">
+                    <a:alpha val="25000"/>
+                  </a:srgbClr>
+                </a:outerShdw>
+              </a:effectLst>
+              <a:latin typeface="+mj-lt"/>
+              <a:ea typeface="+mj-ea"/>
+              <a:cs typeface="+mj-cs"/>
+            </a:endParaRPr>
+          </a:p>
+          <a:p>
+            <a:pPr>
+              <a:spcBef>
+                <a:spcPts val="600"/>
+              </a:spcBef>
+              <a:buFont typeface="Wingdings" pitchFamily="2" charset="2"/>
+              <a:buChar char="Ø"/>
+              <a:defRPr/>
+            </a:pPr>
+            <a:endParaRPr lang="es-ES" sz="2000" b="1" dirty="0" smtClean="0">
+              <a:solidFill>
+                <a:schemeClr val="accent1">
+                  <a:lumMod val="75000"/>
+                </a:schemeClr>
+              </a:solidFill>
+              <a:effectLst>
+                <a:outerShdw blurRad="31750" dist="25400" dir="5400000" algn="tl" rotWithShape="0">
+                  <a:srgbClr val="000000">
+                    <a:alpha val="25000"/>
+                  </a:srgbClr>
+                </a:outerShdw>
+              </a:effectLst>
+              <a:latin typeface="+mj-lt"/>
+              <a:ea typeface="+mj-ea"/>
+              <a:cs typeface="+mj-cs"/>
+            </a:endParaRPr>
+          </a:p>
+          <a:p>
+            <a:pPr>
+              <a:spcBef>
+                <a:spcPts val="600"/>
+              </a:spcBef>
+              <a:buFont typeface="Wingdings" pitchFamily="2" charset="2"/>
+              <a:buChar char="Ø"/>
+              <a:defRPr/>
+            </a:pPr>
+            <a:endParaRPr lang="es-ES" sz="2000" b="1" dirty="0" smtClean="0">
+              <a:solidFill>
+                <a:schemeClr val="accent1">
+                  <a:lumMod val="75000"/>
+                </a:schemeClr>
+              </a:solidFill>
+              <a:effectLst>
+                <a:outerShdw blurRad="31750" dist="25400" dir="5400000" algn="tl" rotWithShape="0">
+                  <a:srgbClr val="000000">
+                    <a:alpha val="25000"/>
+                  </a:srgbClr>
+                </a:outerShdw>
+              </a:effectLst>
+              <a:latin typeface="+mj-lt"/>
+              <a:ea typeface="+mj-ea"/>
+              <a:cs typeface="+mj-cs"/>
+            </a:endParaRPr>
+          </a:p>
+          <a:p>
+            <a:pPr>
+              <a:spcBef>
+                <a:spcPts val="600"/>
+              </a:spcBef>
+              <a:buFont typeface="Wingdings" pitchFamily="2" charset="2"/>
+              <a:buChar char="Ø"/>
+              <a:defRPr/>
+            </a:pPr>
+            <a:endParaRPr lang="es-ES" sz="2000" b="1" dirty="0" smtClean="0">
+              <a:solidFill>
+                <a:schemeClr val="accent1">
+                  <a:lumMod val="75000"/>
+                </a:schemeClr>
+              </a:solidFill>
+              <a:effectLst>
+                <a:outerShdw blurRad="31750" dist="25400" dir="5400000" algn="tl" rotWithShape="0">
+                  <a:srgbClr val="000000">
+                    <a:alpha val="25000"/>
+                  </a:srgbClr>
+                </a:outerShdw>
+              </a:effectLst>
+              <a:latin typeface="+mj-lt"/>
+              <a:ea typeface="+mj-ea"/>
+              <a:cs typeface="+mj-cs"/>
+            </a:endParaRPr>
+          </a:p>
+          <a:p>
+            <a:pPr>
+              <a:spcBef>
+                <a:spcPts val="600"/>
+              </a:spcBef>
+              <a:spcAft>
+                <a:spcPts val="1200"/>
+              </a:spcAft>
+              <a:buFont typeface="Wingdings" pitchFamily="2" charset="2"/>
+              <a:buChar char="Ø"/>
+              <a:defRPr/>
+            </a:pPr>
+            <a:endParaRPr lang="es-ES" sz="2000" b="1" dirty="0" smtClean="0">
+              <a:solidFill>
+                <a:schemeClr val="accent1">
+                  <a:lumMod val="75000"/>
+                </a:schemeClr>
+              </a:solidFill>
+              <a:effectLst>
+                <a:outerShdw blurRad="31750" dist="25400" dir="5400000" algn="tl" rotWithShape="0">
+                  <a:srgbClr val="000000">
+                    <a:alpha val="25000"/>
+                  </a:srgbClr>
+                </a:outerShdw>
+              </a:effectLst>
+              <a:latin typeface="+mj-lt"/>
+              <a:ea typeface="+mj-ea"/>
+              <a:cs typeface="+mj-cs"/>
+            </a:endParaRPr>
+          </a:p>
+          <a:p>
+            <a:pPr lvl="0">
+              <a:spcBef>
+                <a:spcPts val="600"/>
+              </a:spcBef>
+              <a:buFont typeface="Wingdings" pitchFamily="2" charset="2"/>
+              <a:buChar char="Ø"/>
+              <a:defRPr/>
+            </a:pPr>
+            <a:endParaRPr lang="es-ES" sz="2000" b="1" dirty="0" smtClean="0">
+              <a:solidFill>
+                <a:schemeClr val="accent1">
+                  <a:lumMod val="75000"/>
+                </a:schemeClr>
+              </a:solidFill>
+              <a:effectLst>
+                <a:outerShdw blurRad="31750" dist="25400" dir="5400000" algn="tl" rotWithShape="0">
+                  <a:srgbClr val="000000">
+                    <a:alpha val="25000"/>
+                  </a:srgbClr>
+                </a:outerShdw>
+              </a:effectLst>
+              <a:latin typeface="+mj-lt"/>
+              <a:ea typeface="+mj-ea"/>
+              <a:cs typeface="+mj-cs"/>
+            </a:endParaRPr>
+          </a:p>
+          <a:p>
+            <a:pPr marL="0" marR="0" lvl="0" indent="0" algn="l" defTabSz="914400" rtl="0" eaLnBrk="1" fontAlgn="auto" latinLnBrk="0" hangingPunct="1">
+              <a:lnSpc>
+                <a:spcPct val="100000"/>
+              </a:lnSpc>
+              <a:spcBef>
+                <a:spcPts val="600"/>
+              </a:spcBef>
+              <a:spcAft>
+                <a:spcPts val="1200"/>
+              </a:spcAft>
+              <a:buClrTx/>
+              <a:buSzTx/>
+              <a:buFont typeface="Wingdings" pitchFamily="2" charset="2"/>
+              <a:buChar char="Ø"/>
+              <a:tabLst/>
+              <a:defRPr/>
+            </a:pPr>
+            <a:endParaRPr lang="es-ES" sz="2000" b="1" dirty="0" smtClean="0">
+              <a:solidFill>
+                <a:schemeClr val="accent1">
+                  <a:lumMod val="75000"/>
+                </a:schemeClr>
+              </a:solidFill>
+              <a:effectLst>
+                <a:outerShdw blurRad="31750" dist="25400" dir="5400000" algn="tl" rotWithShape="0">
+                  <a:srgbClr val="000000">
+                    <a:alpha val="25000"/>
+                  </a:srgbClr>
+                </a:outerShdw>
+              </a:effectLst>
+              <a:latin typeface="+mj-lt"/>
+              <a:ea typeface="+mj-ea"/>
+              <a:cs typeface="+mj-cs"/>
+            </a:endParaRPr>
+          </a:p>
+          <a:p>
+            <a:pPr marL="0" marR="0" lvl="0" indent="0" algn="l" defTabSz="914400" rtl="0" eaLnBrk="1" fontAlgn="auto" latinLnBrk="0" hangingPunct="1">
+              <a:lnSpc>
+                <a:spcPct val="100000"/>
+              </a:lnSpc>
+              <a:spcBef>
+                <a:spcPts val="600"/>
+              </a:spcBef>
+              <a:spcAft>
+                <a:spcPts val="1200"/>
+              </a:spcAft>
+              <a:buClrTx/>
+              <a:buSzTx/>
+              <a:buFont typeface="Wingdings" pitchFamily="2" charset="2"/>
+              <a:buChar char="Ø"/>
+              <a:tabLst/>
+              <a:defRPr/>
+            </a:pPr>
+            <a:endParaRPr lang="es-ES" sz="2000" b="1" dirty="0" smtClean="0">
+              <a:solidFill>
+                <a:schemeClr val="accent1">
+                  <a:lumMod val="75000"/>
+                </a:schemeClr>
+              </a:solidFill>
+              <a:effectLst>
+                <a:outerShdw blurRad="31750" dist="25400" dir="5400000" algn="tl" rotWithShape="0">
+                  <a:srgbClr val="000000">
+                    <a:alpha val="25000"/>
+                  </a:srgbClr>
+                </a:outerShdw>
+              </a:effectLst>
+              <a:latin typeface="+mj-lt"/>
+              <a:ea typeface="+mj-ea"/>
+              <a:cs typeface="+mj-cs"/>
+            </a:endParaRPr>
+          </a:p>
+          <a:p>
+            <a:pPr marL="0" marR="0" lvl="0" indent="0" algn="l" defTabSz="914400" rtl="0" eaLnBrk="1" fontAlgn="auto" latinLnBrk="0" hangingPunct="1">
+              <a:lnSpc>
+                <a:spcPct val="100000"/>
+              </a:lnSpc>
+              <a:spcBef>
+                <a:spcPts val="600"/>
+              </a:spcBef>
+              <a:spcAft>
+                <a:spcPts val="1200"/>
+              </a:spcAft>
+              <a:buClrTx/>
+              <a:buSzTx/>
+              <a:buFontTx/>
+              <a:buNone/>
+              <a:tabLst/>
+              <a:defRPr/>
+            </a:pPr>
+            <a:endParaRPr kumimoji="0" lang="es-ES" sz="2000" b="1" i="0" u="none" strike="noStrike" kern="1200" cap="none" spc="0" normalizeH="0" baseline="0" noProof="0" dirty="0">
+              <a:ln>
+                <a:noFill/>
+              </a:ln>
+              <a:solidFill>
+                <a:schemeClr val="accent1">
+                  <a:lumMod val="75000"/>
+                </a:schemeClr>
+              </a:solidFill>
+              <a:effectLst>
+                <a:outerShdw blurRad="31750" dist="25400" dir="5400000" algn="tl" rotWithShape="0">
+                  <a:srgbClr val="000000">
+                    <a:alpha val="25000"/>
+                  </a:srgbClr>
+                </a:outerShdw>
+              </a:effectLst>
+              <a:uLnTx/>
+              <a:uFillTx/>
+              <a:latin typeface="+mj-lt"/>
+              <a:ea typeface="+mj-ea"/>
+              <a:cs typeface="+mj-cs"/>
+            </a:endParaRPr>
+          </a:p>
+        </p:txBody>
+      </p:sp>
+      <p:sp>
+        <p:nvSpPr>
+          <p:cNvPr id="6" name="5 CuadroTexto"/>
+          <p:cNvSpPr txBox="1"/>
+          <p:nvPr/>
+        </p:nvSpPr>
+        <p:spPr>
+          <a:xfrm>
+            <a:off x="2771800" y="4497169"/>
+            <a:ext cx="2952328" cy="523220"/>
+          </a:xfrm>
+          <a:prstGeom prst="rect">
+            <a:avLst/>
+          </a:prstGeom>
+          <a:noFill/>
+        </p:spPr>
+        <p:txBody>
+          <a:bodyPr wrap="square" rtlCol="0">
+            <a:spAutoFit/>
+          </a:bodyPr>
+          <a:lstStyle/>
+          <a:p>
+            <a:r>
+              <a:rPr lang="es-ES" sz="1400" dirty="0" smtClean="0"/>
+              <a:t>&gt;</a:t>
+            </a:r>
+            <a:r>
+              <a:rPr lang="es-ES" sz="1400" dirty="0" err="1" smtClean="0"/>
+              <a:t>ng</a:t>
+            </a:r>
+            <a:r>
+              <a:rPr lang="es-ES" sz="1400" dirty="0" smtClean="0"/>
+              <a:t> test</a:t>
+            </a:r>
+          </a:p>
+          <a:p>
+            <a:r>
+              <a:rPr lang="es-ES" sz="1400" dirty="0" smtClean="0"/>
+              <a:t>&gt;</a:t>
+            </a:r>
+            <a:r>
+              <a:rPr lang="es-ES" sz="1400" dirty="0" err="1" smtClean="0"/>
+              <a:t>ng</a:t>
+            </a:r>
+            <a:r>
+              <a:rPr lang="es-ES" sz="1400" dirty="0" smtClean="0"/>
+              <a:t> test </a:t>
+            </a:r>
+            <a:r>
+              <a:rPr lang="es-ES" sz="1400" dirty="0" err="1" smtClean="0"/>
+              <a:t>nombre_app</a:t>
+            </a:r>
+            <a:endParaRPr lang="es-ES" sz="1400" dirty="0"/>
+          </a:p>
+        </p:txBody>
+      </p:sp>
+      <p:cxnSp>
+        <p:nvCxnSpPr>
+          <p:cNvPr id="8" name="7 Conector recto de flecha"/>
+          <p:cNvCxnSpPr/>
+          <p:nvPr/>
+        </p:nvCxnSpPr>
+        <p:spPr>
+          <a:xfrm flipH="1">
+            <a:off x="4644008" y="4443958"/>
+            <a:ext cx="1080120" cy="432048"/>
+          </a:xfrm>
+          <a:prstGeom prst="straightConnector1">
+            <a:avLst/>
+          </a:prstGeom>
+          <a:ln>
+            <a:solidFill>
+              <a:schemeClr val="tx1"/>
+            </a:solidFill>
+            <a:tailEnd type="arrow"/>
+          </a:ln>
+        </p:spPr>
+        <p:style>
+          <a:lnRef idx="1">
+            <a:schemeClr val="accent1"/>
+          </a:lnRef>
+          <a:fillRef idx="0">
+            <a:schemeClr val="accent1"/>
+          </a:fillRef>
+          <a:effectRef idx="0">
+            <a:schemeClr val="accent1"/>
+          </a:effectRef>
+          <a:fontRef idx="minor">
+            <a:schemeClr val="tx1"/>
+          </a:fontRef>
+        </p:style>
+      </p:cxnSp>
+      <p:sp>
+        <p:nvSpPr>
+          <p:cNvPr id="9" name="8 CuadroTexto"/>
+          <p:cNvSpPr txBox="1"/>
+          <p:nvPr/>
+        </p:nvSpPr>
+        <p:spPr>
+          <a:xfrm>
+            <a:off x="5796136" y="4227934"/>
+            <a:ext cx="1224136" cy="553998"/>
+          </a:xfrm>
+          <a:prstGeom prst="rect">
+            <a:avLst/>
+          </a:prstGeom>
+          <a:noFill/>
+        </p:spPr>
+        <p:txBody>
+          <a:bodyPr wrap="square" rtlCol="0">
+            <a:spAutoFit/>
+          </a:bodyPr>
+          <a:lstStyle/>
+          <a:p>
+            <a:r>
+              <a:rPr lang="es-ES" sz="1000" dirty="0" smtClean="0"/>
+              <a:t>En aplicaciones dentro de un </a:t>
+            </a:r>
+            <a:r>
+              <a:rPr lang="es-ES" sz="1000" dirty="0" err="1" smtClean="0"/>
+              <a:t>workspace</a:t>
+            </a:r>
+            <a:endParaRPr lang="es-ES" sz="1000" dirty="0"/>
+          </a:p>
+        </p:txBody>
+      </p:sp>
+      <p:cxnSp>
+        <p:nvCxnSpPr>
+          <p:cNvPr id="11" name="10 Conector recto de flecha"/>
+          <p:cNvCxnSpPr/>
+          <p:nvPr/>
+        </p:nvCxnSpPr>
+        <p:spPr>
+          <a:xfrm flipV="1">
+            <a:off x="1475656" y="1347614"/>
+            <a:ext cx="648072" cy="216024"/>
+          </a:xfrm>
+          <a:prstGeom prst="straightConnector1">
+            <a:avLst/>
+          </a:prstGeom>
+          <a:ln>
+            <a:solidFill>
+              <a:schemeClr val="tx1"/>
+            </a:solidFill>
+            <a:tailEnd type="arrow"/>
+          </a:ln>
+        </p:spPr>
+        <p:style>
+          <a:lnRef idx="1">
+            <a:schemeClr val="accent1"/>
+          </a:lnRef>
+          <a:fillRef idx="0">
+            <a:schemeClr val="accent1"/>
+          </a:fillRef>
+          <a:effectRef idx="0">
+            <a:schemeClr val="accent1"/>
+          </a:effectRef>
+          <a:fontRef idx="minor">
+            <a:schemeClr val="tx1"/>
+          </a:fontRef>
+        </p:style>
+      </p:cxnSp>
+      <p:sp>
+        <p:nvSpPr>
+          <p:cNvPr id="12" name="11 CuadroTexto"/>
+          <p:cNvSpPr txBox="1"/>
+          <p:nvPr/>
+        </p:nvSpPr>
+        <p:spPr>
+          <a:xfrm>
+            <a:off x="539552" y="1491630"/>
+            <a:ext cx="1368152" cy="400110"/>
+          </a:xfrm>
+          <a:prstGeom prst="rect">
+            <a:avLst/>
+          </a:prstGeom>
+          <a:noFill/>
+        </p:spPr>
+        <p:txBody>
+          <a:bodyPr wrap="square" rtlCol="0">
+            <a:spAutoFit/>
+          </a:bodyPr>
+          <a:lstStyle/>
+          <a:p>
+            <a:r>
+              <a:rPr lang="es-ES" sz="1000" dirty="0" smtClean="0"/>
+              <a:t>Para ser ejecutado antes de cada test</a:t>
+            </a:r>
+            <a:endParaRPr lang="es-ES" sz="1000" dirty="0"/>
           </a:p>
         </p:txBody>
       </p:sp>
